--- a/docks/Mining Idle v 0.3.pptx
+++ b/docks/Mining Idle v 0.3.pptx
@@ -221,7 +221,7 @@
           <a:p>
             <a:fld id="{D3D83015-E098-4717-9EB0-44E29712E6C5}" type="datetimeFigureOut">
               <a:rPr lang="ru-RU" smtClean="0"/>
-              <a:t>09.07.2024</a:t>
+              <a:t>10.07.2024</a:t>
             </a:fld>
             <a:endParaRPr lang="ru-RU"/>
           </a:p>
@@ -285,38 +285,37 @@
           <a:p>
             <a:pPr lvl="0"/>
             <a:r>
-              <a:rPr lang="ru-RU" smtClean="0"/>
+              <a:rPr lang="ru-RU"/>
               <a:t>Образец текста</a:t>
             </a:r>
           </a:p>
           <a:p>
             <a:pPr lvl="1"/>
             <a:r>
-              <a:rPr lang="ru-RU" smtClean="0"/>
+              <a:rPr lang="ru-RU"/>
               <a:t>Второй уровень</a:t>
             </a:r>
           </a:p>
           <a:p>
             <a:pPr lvl="2"/>
             <a:r>
-              <a:rPr lang="ru-RU" smtClean="0"/>
+              <a:rPr lang="ru-RU"/>
               <a:t>Третий уровень</a:t>
             </a:r>
           </a:p>
           <a:p>
             <a:pPr lvl="3"/>
             <a:r>
-              <a:rPr lang="ru-RU" smtClean="0"/>
+              <a:rPr lang="ru-RU"/>
               <a:t>Четвертый уровень</a:t>
             </a:r>
           </a:p>
           <a:p>
             <a:pPr lvl="4"/>
             <a:r>
-              <a:rPr lang="ru-RU" smtClean="0"/>
+              <a:rPr lang="ru-RU"/>
               <a:t>Пятый уровень</a:t>
             </a:r>
-            <a:endParaRPr lang="ru-RU"/>
           </a:p>
         </p:txBody>
       </p:sp>
@@ -617,16 +616,100 @@
           <a:bodyPr/>
           <a:lstStyle/>
           <a:p>
-            <a:r>
-              <a:rPr lang="ru-RU" dirty="0" smtClean="0"/>
+            <a:endParaRPr lang="ru-RU" dirty="0"/>
+          </a:p>
+        </p:txBody>
+      </p:sp>
+      <p:sp>
+        <p:nvSpPr>
+          <p:cNvPr id="4" name="Номер слайда 3"/>
+          <p:cNvSpPr>
+            <a:spLocks noGrp="1"/>
+          </p:cNvSpPr>
+          <p:nvPr>
+            <p:ph type="sldNum" sz="quarter" idx="5"/>
+          </p:nvPr>
+        </p:nvSpPr>
+        <p:spPr/>
+        <p:txBody>
+          <a:bodyPr/>
+          <a:lstStyle/>
+          <a:p>
+            <a:fld id="{85DA22B9-8B1C-42A0-B525-5DBE28A7A198}" type="slidenum">
+              <a:rPr lang="ru-RU" smtClean="0"/>
+              <a:t>2</a:t>
+            </a:fld>
+            <a:endParaRPr lang="ru-RU"/>
+          </a:p>
+        </p:txBody>
+      </p:sp>
+    </p:spTree>
+    <p:extLst>
+      <p:ext uri="{BB962C8B-B14F-4D97-AF65-F5344CB8AC3E}">
+        <p14:creationId xmlns:p14="http://schemas.microsoft.com/office/powerpoint/2010/main" val="3532482283"/>
+      </p:ext>
+    </p:extLst>
+  </p:cSld>
+  <p:clrMapOvr>
+    <a:masterClrMapping/>
+  </p:clrMapOvr>
+</p:notes>
+</file>
+
+<file path=ppt/notesSlides/notesSlide3.xml><?xml version="1.0" encoding="utf-8"?>
+<p:notes xmlns:a="http://schemas.openxmlformats.org/drawingml/2006/main" xmlns:r="http://schemas.openxmlformats.org/officeDocument/2006/relationships" xmlns:p="http://schemas.openxmlformats.org/presentationml/2006/main">
+  <p:cSld>
+    <p:spTree>
+      <p:nvGrpSpPr>
+        <p:cNvPr id="1" name=""/>
+        <p:cNvGrpSpPr/>
+        <p:nvPr/>
+      </p:nvGrpSpPr>
+      <p:grpSpPr>
+        <a:xfrm>
+          <a:off x="0" y="0"/>
+          <a:ext cx="0" cy="0"/>
+          <a:chOff x="0" y="0"/>
+          <a:chExt cx="0" cy="0"/>
+        </a:xfrm>
+      </p:grpSpPr>
+      <p:sp>
+        <p:nvSpPr>
+          <p:cNvPr id="2" name="Образ слайда 1"/>
+          <p:cNvSpPr>
+            <a:spLocks noGrp="1" noRot="1" noChangeAspect="1"/>
+          </p:cNvSpPr>
+          <p:nvPr>
+            <p:ph type="sldImg"/>
+          </p:nvPr>
+        </p:nvSpPr>
+        <p:spPr/>
+      </p:sp>
+      <p:sp>
+        <p:nvSpPr>
+          <p:cNvPr id="3" name="Заметки 2"/>
+          <p:cNvSpPr>
+            <a:spLocks noGrp="1"/>
+          </p:cNvSpPr>
+          <p:nvPr>
+            <p:ph type="body" idx="1"/>
+          </p:nvPr>
+        </p:nvSpPr>
+        <p:spPr/>
+        <p:txBody>
+          <a:bodyPr/>
+          <a:lstStyle/>
+          <a:p>
+            <a:r>
+              <a:rPr lang="ru-RU" dirty="0"/>
               <a:t>Да-Да,</a:t>
             </a:r>
             <a:r>
-              <a:rPr lang="ru-RU" baseline="0" dirty="0" smtClean="0"/>
+              <a:rPr lang="ru-RU" baseline="0" dirty="0"/>
               <a:t> похоже на </a:t>
             </a:r>
             <a:r>
-              <a:rPr lang="ru-RU" baseline="0" dirty="0" err="1" smtClean="0"/>
+              <a:rPr lang="ru-RU" baseline="0" dirty="0" err="1"/>
               <a:t>Майнкрафт</a:t>
             </a:r>
             <a:endParaRPr lang="ru-RU" dirty="0"/>
@@ -1270,7 +1353,7 @@
           </a:lstStyle>
           <a:p>
             <a:r>
-              <a:rPr lang="ru-RU" smtClean="0"/>
+              <a:rPr lang="ru-RU"/>
               <a:t>Образец заголовка</a:t>
             </a:r>
             <a:endParaRPr lang="en-US" dirty="0"/>
@@ -1390,7 +1473,7 @@
           </a:lstStyle>
           <a:p>
             <a:r>
-              <a:rPr lang="ru-RU" smtClean="0"/>
+              <a:rPr lang="ru-RU"/>
               <a:t>Образец подзаголовка</a:t>
             </a:r>
             <a:endParaRPr lang="en-US" dirty="0"/>
@@ -1414,7 +1497,7 @@
           <a:p>
             <a:fld id="{1123DB51-CABB-4A3D-B6CF-9AD57D1D0126}" type="datetimeFigureOut">
               <a:rPr lang="ru-RU" smtClean="0"/>
-              <a:t>09.07.2024</a:t>
+              <a:t>10.07.2024</a:t>
             </a:fld>
             <a:endParaRPr lang="ru-RU"/>
           </a:p>
@@ -1472,13 +1555,13 @@
   <p:clrMapOvr>
     <a:masterClrMapping/>
   </p:clrMapOvr>
-  <mc:AlternateContent xmlns:mc="http://schemas.openxmlformats.org/markup-compatibility/2006">
-    <mc:Choice xmlns:p14="http://schemas.microsoft.com/office/powerpoint/2010/main" Requires="p14">
+  <mc:AlternateContent xmlns:mc="http://schemas.openxmlformats.org/markup-compatibility/2006" xmlns:p14="http://schemas.microsoft.com/office/powerpoint/2010/main">
+    <mc:Choice Requires="p14">
       <p:transition spd="med" p14:dur="700">
         <p:fade/>
       </p:transition>
     </mc:Choice>
-    <mc:Fallback>
+    <mc:Fallback xmlns="">
       <p:transition spd="med">
         <p:fade/>
       </p:transition>
@@ -1531,7 +1614,7 @@
           </a:lstStyle>
           <a:p>
             <a:r>
-              <a:rPr lang="ru-RU" smtClean="0"/>
+              <a:rPr lang="ru-RU"/>
               <a:t>Образец заголовка</a:t>
             </a:r>
             <a:endParaRPr lang="en-US" dirty="0"/>
@@ -1654,7 +1737,7 @@
           <a:p>
             <a:pPr lvl="0"/>
             <a:r>
-              <a:rPr lang="ru-RU" smtClean="0"/>
+              <a:rPr lang="ru-RU"/>
               <a:t>Образец текста</a:t>
             </a:r>
           </a:p>
@@ -1677,7 +1760,7 @@
           <a:p>
             <a:fld id="{1123DB51-CABB-4A3D-B6CF-9AD57D1D0126}" type="datetimeFigureOut">
               <a:rPr lang="ru-RU" smtClean="0"/>
-              <a:t>09.07.2024</a:t>
+              <a:t>10.07.2024</a:t>
             </a:fld>
             <a:endParaRPr lang="ru-RU"/>
           </a:p>
@@ -1735,13 +1818,13 @@
   <p:clrMapOvr>
     <a:masterClrMapping/>
   </p:clrMapOvr>
-  <mc:AlternateContent xmlns:mc="http://schemas.openxmlformats.org/markup-compatibility/2006">
-    <mc:Choice xmlns:p14="http://schemas.microsoft.com/office/powerpoint/2010/main" Requires="p14">
+  <mc:AlternateContent xmlns:mc="http://schemas.openxmlformats.org/markup-compatibility/2006" xmlns:p14="http://schemas.microsoft.com/office/powerpoint/2010/main">
+    <mc:Choice Requires="p14">
       <p:transition spd="med" p14:dur="700">
         <p:fade/>
       </p:transition>
     </mc:Choice>
-    <mc:Fallback>
+    <mc:Fallback xmlns="">
       <p:transition spd="med">
         <p:fade/>
       </p:transition>
@@ -1794,7 +1877,7 @@
           </a:lstStyle>
           <a:p>
             <a:r>
-              <a:rPr lang="ru-RU" smtClean="0"/>
+              <a:rPr lang="ru-RU"/>
               <a:t>Образец заголовка</a:t>
             </a:r>
             <a:endParaRPr lang="en-US" dirty="0"/>
@@ -1858,7 +1941,7 @@
           <a:p>
             <a:pPr lvl="0"/>
             <a:r>
-              <a:rPr lang="ru-RU" smtClean="0"/>
+              <a:rPr lang="ru-RU"/>
               <a:t>Образец текста</a:t>
             </a:r>
           </a:p>
@@ -1980,7 +2063,7 @@
           <a:p>
             <a:pPr lvl="0"/>
             <a:r>
-              <a:rPr lang="ru-RU" smtClean="0"/>
+              <a:rPr lang="ru-RU"/>
               <a:t>Образец текста</a:t>
             </a:r>
           </a:p>
@@ -2003,7 +2086,7 @@
           <a:p>
             <a:fld id="{1123DB51-CABB-4A3D-B6CF-9AD57D1D0126}" type="datetimeFigureOut">
               <a:rPr lang="ru-RU" smtClean="0"/>
-              <a:t>09.07.2024</a:t>
+              <a:t>10.07.2024</a:t>
             </a:fld>
             <a:endParaRPr lang="ru-RU"/>
           </a:p>
@@ -2143,13 +2226,13 @@
   <p:clrMapOvr>
     <a:masterClrMapping/>
   </p:clrMapOvr>
-  <mc:AlternateContent xmlns:mc="http://schemas.openxmlformats.org/markup-compatibility/2006">
-    <mc:Choice xmlns:p14="http://schemas.microsoft.com/office/powerpoint/2010/main" Requires="p14">
+  <mc:AlternateContent xmlns:mc="http://schemas.openxmlformats.org/markup-compatibility/2006" xmlns:p14="http://schemas.microsoft.com/office/powerpoint/2010/main">
+    <mc:Choice Requires="p14">
       <p:transition spd="med" p14:dur="700">
         <p:fade/>
       </p:transition>
     </mc:Choice>
-    <mc:Fallback>
+    <mc:Fallback xmlns="">
       <p:transition spd="med">
         <p:fade/>
       </p:transition>
@@ -2202,7 +2285,7 @@
           </a:lstStyle>
           <a:p>
             <a:r>
-              <a:rPr lang="ru-RU" smtClean="0"/>
+              <a:rPr lang="ru-RU"/>
               <a:t>Образец заголовка</a:t>
             </a:r>
             <a:endParaRPr lang="en-US" dirty="0"/>
@@ -2325,7 +2408,7 @@
           <a:p>
             <a:pPr lvl="0"/>
             <a:r>
-              <a:rPr lang="ru-RU" smtClean="0"/>
+              <a:rPr lang="ru-RU"/>
               <a:t>Образец текста</a:t>
             </a:r>
           </a:p>
@@ -2348,7 +2431,7 @@
           <a:p>
             <a:fld id="{1123DB51-CABB-4A3D-B6CF-9AD57D1D0126}" type="datetimeFigureOut">
               <a:rPr lang="ru-RU" smtClean="0"/>
-              <a:t>09.07.2024</a:t>
+              <a:t>10.07.2024</a:t>
             </a:fld>
             <a:endParaRPr lang="ru-RU"/>
           </a:p>
@@ -2406,13 +2489,13 @@
   <p:clrMapOvr>
     <a:masterClrMapping/>
   </p:clrMapOvr>
-  <mc:AlternateContent xmlns:mc="http://schemas.openxmlformats.org/markup-compatibility/2006">
-    <mc:Choice xmlns:p14="http://schemas.microsoft.com/office/powerpoint/2010/main" Requires="p14">
+  <mc:AlternateContent xmlns:mc="http://schemas.openxmlformats.org/markup-compatibility/2006" xmlns:p14="http://schemas.microsoft.com/office/powerpoint/2010/main">
+    <mc:Choice Requires="p14">
       <p:transition spd="med" p14:dur="700">
         <p:fade/>
       </p:transition>
     </mc:Choice>
-    <mc:Fallback>
+    <mc:Fallback xmlns="">
       <p:transition spd="med">
         <p:fade/>
       </p:transition>
@@ -2465,7 +2548,7 @@
           </a:lstStyle>
           <a:p>
             <a:r>
-              <a:rPr lang="ru-RU" smtClean="0"/>
+              <a:rPr lang="ru-RU"/>
               <a:t>Образец заголовка</a:t>
             </a:r>
             <a:endParaRPr lang="en-US" dirty="0"/>
@@ -2529,7 +2612,7 @@
           <a:p>
             <a:pPr lvl="0"/>
             <a:r>
-              <a:rPr lang="ru-RU" smtClean="0"/>
+              <a:rPr lang="ru-RU"/>
               <a:t>Образец текста</a:t>
             </a:r>
           </a:p>
@@ -2651,7 +2734,7 @@
           <a:p>
             <a:pPr lvl="0"/>
             <a:r>
-              <a:rPr lang="ru-RU" smtClean="0"/>
+              <a:rPr lang="ru-RU"/>
               <a:t>Образец текста</a:t>
             </a:r>
           </a:p>
@@ -2674,7 +2757,7 @@
           <a:p>
             <a:fld id="{1123DB51-CABB-4A3D-B6CF-9AD57D1D0126}" type="datetimeFigureOut">
               <a:rPr lang="ru-RU" smtClean="0"/>
-              <a:t>09.07.2024</a:t>
+              <a:t>10.07.2024</a:t>
             </a:fld>
             <a:endParaRPr lang="ru-RU"/>
           </a:p>
@@ -2814,13 +2897,13 @@
   <p:clrMapOvr>
     <a:masterClrMapping/>
   </p:clrMapOvr>
-  <mc:AlternateContent xmlns:mc="http://schemas.openxmlformats.org/markup-compatibility/2006">
-    <mc:Choice xmlns:p14="http://schemas.microsoft.com/office/powerpoint/2010/main" Requires="p14">
+  <mc:AlternateContent xmlns:mc="http://schemas.openxmlformats.org/markup-compatibility/2006" xmlns:p14="http://schemas.microsoft.com/office/powerpoint/2010/main">
+    <mc:Choice Requires="p14">
       <p:transition spd="med" p14:dur="700">
         <p:fade/>
       </p:transition>
     </mc:Choice>
-    <mc:Fallback>
+    <mc:Fallback xmlns="">
       <p:transition spd="med">
         <p:fade/>
       </p:transition>
@@ -2873,7 +2956,7 @@
           </a:lstStyle>
           <a:p>
             <a:r>
-              <a:rPr lang="ru-RU" smtClean="0"/>
+              <a:rPr lang="ru-RU"/>
               <a:t>Образец заголовка</a:t>
             </a:r>
             <a:endParaRPr lang="en-US" dirty="0"/>
@@ -2934,7 +3017,7 @@
           <a:p>
             <a:pPr lvl="0"/>
             <a:r>
-              <a:rPr lang="ru-RU" smtClean="0"/>
+              <a:rPr lang="ru-RU"/>
               <a:t>Образец текста</a:t>
             </a:r>
           </a:p>
@@ -3056,7 +3139,7 @@
           <a:p>
             <a:pPr lvl="0"/>
             <a:r>
-              <a:rPr lang="ru-RU" smtClean="0"/>
+              <a:rPr lang="ru-RU"/>
               <a:t>Образец текста</a:t>
             </a:r>
           </a:p>
@@ -3079,7 +3162,7 @@
           <a:p>
             <a:fld id="{1123DB51-CABB-4A3D-B6CF-9AD57D1D0126}" type="datetimeFigureOut">
               <a:rPr lang="ru-RU" smtClean="0"/>
-              <a:t>09.07.2024</a:t>
+              <a:t>10.07.2024</a:t>
             </a:fld>
             <a:endParaRPr lang="ru-RU"/>
           </a:p>
@@ -3137,13 +3220,13 @@
   <p:clrMapOvr>
     <a:masterClrMapping/>
   </p:clrMapOvr>
-  <mc:AlternateContent xmlns:mc="http://schemas.openxmlformats.org/markup-compatibility/2006">
-    <mc:Choice xmlns:p14="http://schemas.microsoft.com/office/powerpoint/2010/main" Requires="p14">
+  <mc:AlternateContent xmlns:mc="http://schemas.openxmlformats.org/markup-compatibility/2006" xmlns:p14="http://schemas.microsoft.com/office/powerpoint/2010/main">
+    <mc:Choice Requires="p14">
       <p:transition spd="med" p14:dur="700">
         <p:fade/>
       </p:transition>
     </mc:Choice>
-    <mc:Fallback>
+    <mc:Fallback xmlns="">
       <p:transition spd="med">
         <p:fade/>
       </p:transition>
@@ -3185,7 +3268,7 @@
           <a:lstStyle/>
           <a:p>
             <a:r>
-              <a:rPr lang="ru-RU" smtClean="0"/>
+              <a:rPr lang="ru-RU"/>
               <a:t>Образец заголовка</a:t>
             </a:r>
             <a:endParaRPr lang="en-US" dirty="0"/>
@@ -3209,35 +3292,35 @@
           <a:p>
             <a:pPr lvl="0"/>
             <a:r>
-              <a:rPr lang="ru-RU" smtClean="0"/>
+              <a:rPr lang="ru-RU"/>
               <a:t>Образец текста</a:t>
             </a:r>
           </a:p>
           <a:p>
             <a:pPr lvl="1"/>
             <a:r>
-              <a:rPr lang="ru-RU" smtClean="0"/>
+              <a:rPr lang="ru-RU"/>
               <a:t>Второй уровень</a:t>
             </a:r>
           </a:p>
           <a:p>
             <a:pPr lvl="2"/>
             <a:r>
-              <a:rPr lang="ru-RU" smtClean="0"/>
+              <a:rPr lang="ru-RU"/>
               <a:t>Третий уровень</a:t>
             </a:r>
           </a:p>
           <a:p>
             <a:pPr lvl="3"/>
             <a:r>
-              <a:rPr lang="ru-RU" smtClean="0"/>
+              <a:rPr lang="ru-RU"/>
               <a:t>Четвертый уровень</a:t>
             </a:r>
           </a:p>
           <a:p>
             <a:pPr lvl="4"/>
             <a:r>
-              <a:rPr lang="ru-RU" smtClean="0"/>
+              <a:rPr lang="ru-RU"/>
               <a:t>Пятый уровень</a:t>
             </a:r>
             <a:endParaRPr lang="en-US" dirty="0"/>
@@ -3261,7 +3344,7 @@
           <a:p>
             <a:fld id="{1123DB51-CABB-4A3D-B6CF-9AD57D1D0126}" type="datetimeFigureOut">
               <a:rPr lang="ru-RU" smtClean="0"/>
-              <a:t>09.07.2024</a:t>
+              <a:t>10.07.2024</a:t>
             </a:fld>
             <a:endParaRPr lang="ru-RU"/>
           </a:p>
@@ -3319,13 +3402,13 @@
   <p:clrMapOvr>
     <a:masterClrMapping/>
   </p:clrMapOvr>
-  <mc:AlternateContent xmlns:mc="http://schemas.openxmlformats.org/markup-compatibility/2006">
-    <mc:Choice xmlns:p14="http://schemas.microsoft.com/office/powerpoint/2010/main" Requires="p14">
+  <mc:AlternateContent xmlns:mc="http://schemas.openxmlformats.org/markup-compatibility/2006" xmlns:p14="http://schemas.microsoft.com/office/powerpoint/2010/main">
+    <mc:Choice Requires="p14">
       <p:transition spd="med" p14:dur="700">
         <p:fade/>
       </p:transition>
     </mc:Choice>
-    <mc:Fallback>
+    <mc:Fallback xmlns="">
       <p:transition spd="med">
         <p:fade/>
       </p:transition>
@@ -3372,7 +3455,7 @@
           <a:lstStyle/>
           <a:p>
             <a:r>
-              <a:rPr lang="ru-RU" smtClean="0"/>
+              <a:rPr lang="ru-RU"/>
               <a:t>Образец заголовка</a:t>
             </a:r>
             <a:endParaRPr lang="en-US" dirty="0"/>
@@ -3401,35 +3484,35 @@
           <a:p>
             <a:pPr lvl="0"/>
             <a:r>
-              <a:rPr lang="ru-RU" smtClean="0"/>
+              <a:rPr lang="ru-RU"/>
               <a:t>Образец текста</a:t>
             </a:r>
           </a:p>
           <a:p>
             <a:pPr lvl="1"/>
             <a:r>
-              <a:rPr lang="ru-RU" smtClean="0"/>
+              <a:rPr lang="ru-RU"/>
               <a:t>Второй уровень</a:t>
             </a:r>
           </a:p>
           <a:p>
             <a:pPr lvl="2"/>
             <a:r>
-              <a:rPr lang="ru-RU" smtClean="0"/>
+              <a:rPr lang="ru-RU"/>
               <a:t>Третий уровень</a:t>
             </a:r>
           </a:p>
           <a:p>
             <a:pPr lvl="3"/>
             <a:r>
-              <a:rPr lang="ru-RU" smtClean="0"/>
+              <a:rPr lang="ru-RU"/>
               <a:t>Четвертый уровень</a:t>
             </a:r>
           </a:p>
           <a:p>
             <a:pPr lvl="4"/>
             <a:r>
-              <a:rPr lang="ru-RU" smtClean="0"/>
+              <a:rPr lang="ru-RU"/>
               <a:t>Пятый уровень</a:t>
             </a:r>
             <a:endParaRPr lang="en-US" dirty="0"/>
@@ -3453,7 +3536,7 @@
           <a:p>
             <a:fld id="{1123DB51-CABB-4A3D-B6CF-9AD57D1D0126}" type="datetimeFigureOut">
               <a:rPr lang="ru-RU" smtClean="0"/>
-              <a:t>09.07.2024</a:t>
+              <a:t>10.07.2024</a:t>
             </a:fld>
             <a:endParaRPr lang="ru-RU"/>
           </a:p>
@@ -3511,13 +3594,13 @@
   <p:clrMapOvr>
     <a:masterClrMapping/>
   </p:clrMapOvr>
-  <mc:AlternateContent xmlns:mc="http://schemas.openxmlformats.org/markup-compatibility/2006">
-    <mc:Choice xmlns:p14="http://schemas.microsoft.com/office/powerpoint/2010/main" Requires="p14">
+  <mc:AlternateContent xmlns:mc="http://schemas.openxmlformats.org/markup-compatibility/2006" xmlns:p14="http://schemas.microsoft.com/office/powerpoint/2010/main">
+    <mc:Choice Requires="p14">
       <p:transition spd="med" p14:dur="700">
         <p:fade/>
       </p:transition>
     </mc:Choice>
-    <mc:Fallback>
+    <mc:Fallback xmlns="">
       <p:transition spd="med">
         <p:fade/>
       </p:transition>
@@ -3656,7 +3739,7 @@
           </a:lstStyle>
           <a:p>
             <a:r>
-              <a:rPr lang="ru-RU" smtClean="0"/>
+              <a:rPr lang="ru-RU"/>
               <a:t>Образец заголовка</a:t>
             </a:r>
             <a:endParaRPr lang="en-US" dirty="0"/>
@@ -3728,7 +3811,7 @@
           </a:lstStyle>
           <a:p>
             <a:r>
-              <a:rPr lang="ru-RU" smtClean="0"/>
+              <a:rPr lang="ru-RU"/>
               <a:t>Образец подзаголовка</a:t>
             </a:r>
             <a:endParaRPr lang="en-US" dirty="0"/>
@@ -3752,7 +3835,7 @@
           <a:p>
             <a:fld id="{1123DB51-CABB-4A3D-B6CF-9AD57D1D0126}" type="datetimeFigureOut">
               <a:rPr lang="ru-RU" smtClean="0"/>
-              <a:t>09.07.2024</a:t>
+              <a:t>10.07.2024</a:t>
             </a:fld>
             <a:endParaRPr lang="ru-RU"/>
           </a:p>
@@ -3848,13 +3931,13 @@
   <p:clrMapOvr>
     <a:masterClrMapping/>
   </p:clrMapOvr>
-  <mc:AlternateContent xmlns:mc="http://schemas.openxmlformats.org/markup-compatibility/2006">
-    <mc:Choice xmlns:p14="http://schemas.microsoft.com/office/powerpoint/2010/main" Requires="p14">
+  <mc:AlternateContent xmlns:mc="http://schemas.openxmlformats.org/markup-compatibility/2006" xmlns:p14="http://schemas.microsoft.com/office/powerpoint/2010/main">
+    <mc:Choice Requires="p14">
       <p:transition spd="med" p14:dur="700">
         <p:fade/>
       </p:transition>
     </mc:Choice>
-    <mc:Fallback>
+    <mc:Fallback xmlns="">
       <p:transition spd="med">
         <p:fade/>
       </p:transition>
@@ -3896,7 +3979,7 @@
           <a:lstStyle/>
           <a:p>
             <a:r>
-              <a:rPr lang="ru-RU" smtClean="0"/>
+              <a:rPr lang="ru-RU"/>
               <a:t>Образец заголовка</a:t>
             </a:r>
             <a:endParaRPr lang="en-US" dirty="0"/>
@@ -3920,35 +4003,35 @@
           <a:p>
             <a:pPr lvl="0"/>
             <a:r>
-              <a:rPr lang="ru-RU" smtClean="0"/>
+              <a:rPr lang="ru-RU"/>
               <a:t>Образец текста</a:t>
             </a:r>
           </a:p>
           <a:p>
             <a:pPr lvl="1"/>
             <a:r>
-              <a:rPr lang="ru-RU" smtClean="0"/>
+              <a:rPr lang="ru-RU"/>
               <a:t>Второй уровень</a:t>
             </a:r>
           </a:p>
           <a:p>
             <a:pPr lvl="2"/>
             <a:r>
-              <a:rPr lang="ru-RU" smtClean="0"/>
+              <a:rPr lang="ru-RU"/>
               <a:t>Третий уровень</a:t>
             </a:r>
           </a:p>
           <a:p>
             <a:pPr lvl="3"/>
             <a:r>
-              <a:rPr lang="ru-RU" smtClean="0"/>
+              <a:rPr lang="ru-RU"/>
               <a:t>Четвертый уровень</a:t>
             </a:r>
           </a:p>
           <a:p>
             <a:pPr lvl="4"/>
             <a:r>
-              <a:rPr lang="ru-RU" smtClean="0"/>
+              <a:rPr lang="ru-RU"/>
               <a:t>Пятый уровень</a:t>
             </a:r>
             <a:endParaRPr lang="en-US" dirty="0"/>
@@ -3972,7 +4055,7 @@
           <a:p>
             <a:fld id="{1123DB51-CABB-4A3D-B6CF-9AD57D1D0126}" type="datetimeFigureOut">
               <a:rPr lang="ru-RU" smtClean="0"/>
-              <a:t>09.07.2024</a:t>
+              <a:t>10.07.2024</a:t>
             </a:fld>
             <a:endParaRPr lang="ru-RU"/>
           </a:p>
@@ -4030,13 +4113,13 @@
   <p:clrMapOvr>
     <a:masterClrMapping/>
   </p:clrMapOvr>
-  <mc:AlternateContent xmlns:mc="http://schemas.openxmlformats.org/markup-compatibility/2006">
-    <mc:Choice xmlns:p14="http://schemas.microsoft.com/office/powerpoint/2010/main" Requires="p14">
+  <mc:AlternateContent xmlns:mc="http://schemas.openxmlformats.org/markup-compatibility/2006" xmlns:p14="http://schemas.microsoft.com/office/powerpoint/2010/main">
+    <mc:Choice Requires="p14">
       <p:transition spd="med" p14:dur="700">
         <p:fade/>
       </p:transition>
     </mc:Choice>
-    <mc:Fallback>
+    <mc:Fallback xmlns="">
       <p:transition spd="med">
         <p:fade/>
       </p:transition>
@@ -4183,7 +4266,7 @@
           </a:lstStyle>
           <a:p>
             <a:r>
-              <a:rPr lang="ru-RU" smtClean="0"/>
+              <a:rPr lang="ru-RU"/>
               <a:t>Образец заголовка</a:t>
             </a:r>
             <a:endParaRPr lang="en-US" dirty="0"/>
@@ -4304,7 +4387,7 @@
           <a:p>
             <a:pPr lvl="0"/>
             <a:r>
-              <a:rPr lang="ru-RU" smtClean="0"/>
+              <a:rPr lang="ru-RU"/>
               <a:t>Образец текста</a:t>
             </a:r>
           </a:p>
@@ -4327,7 +4410,7 @@
           <a:p>
             <a:fld id="{1123DB51-CABB-4A3D-B6CF-9AD57D1D0126}" type="datetimeFigureOut">
               <a:rPr lang="ru-RU" smtClean="0"/>
-              <a:t>09.07.2024</a:t>
+              <a:t>10.07.2024</a:t>
             </a:fld>
             <a:endParaRPr lang="ru-RU"/>
           </a:p>
@@ -4423,13 +4506,13 @@
   <p:clrMapOvr>
     <a:masterClrMapping/>
   </p:clrMapOvr>
-  <mc:AlternateContent xmlns:mc="http://schemas.openxmlformats.org/markup-compatibility/2006">
-    <mc:Choice xmlns:p14="http://schemas.microsoft.com/office/powerpoint/2010/main" Requires="p14">
+  <mc:AlternateContent xmlns:mc="http://schemas.openxmlformats.org/markup-compatibility/2006" xmlns:p14="http://schemas.microsoft.com/office/powerpoint/2010/main">
+    <mc:Choice Requires="p14">
       <p:transition spd="med" p14:dur="700">
         <p:fade/>
       </p:transition>
     </mc:Choice>
-    <mc:Fallback>
+    <mc:Fallback xmlns="">
       <p:transition spd="med">
         <p:fade/>
       </p:transition>
@@ -4471,7 +4554,7 @@
           <a:lstStyle/>
           <a:p>
             <a:r>
-              <a:rPr lang="ru-RU" smtClean="0"/>
+              <a:rPr lang="ru-RU"/>
               <a:t>Образец заголовка</a:t>
             </a:r>
             <a:endParaRPr lang="en-US" dirty="0"/>
@@ -4495,35 +4578,35 @@
           <a:p>
             <a:pPr lvl="0"/>
             <a:r>
-              <a:rPr lang="ru-RU" smtClean="0"/>
+              <a:rPr lang="ru-RU"/>
               <a:t>Образец текста</a:t>
             </a:r>
           </a:p>
           <a:p>
             <a:pPr lvl="1"/>
             <a:r>
-              <a:rPr lang="ru-RU" smtClean="0"/>
+              <a:rPr lang="ru-RU"/>
               <a:t>Второй уровень</a:t>
             </a:r>
           </a:p>
           <a:p>
             <a:pPr lvl="2"/>
             <a:r>
-              <a:rPr lang="ru-RU" smtClean="0"/>
+              <a:rPr lang="ru-RU"/>
               <a:t>Третий уровень</a:t>
             </a:r>
           </a:p>
           <a:p>
             <a:pPr lvl="3"/>
             <a:r>
-              <a:rPr lang="ru-RU" smtClean="0"/>
+              <a:rPr lang="ru-RU"/>
               <a:t>Четвертый уровень</a:t>
             </a:r>
           </a:p>
           <a:p>
             <a:pPr lvl="4"/>
             <a:r>
-              <a:rPr lang="ru-RU" smtClean="0"/>
+              <a:rPr lang="ru-RU"/>
               <a:t>Пятый уровень</a:t>
             </a:r>
             <a:endParaRPr lang="en-US" dirty="0"/>
@@ -4547,7 +4630,7 @@
           <a:p>
             <a:fld id="{1123DB51-CABB-4A3D-B6CF-9AD57D1D0126}" type="datetimeFigureOut">
               <a:rPr lang="ru-RU" smtClean="0"/>
-              <a:t>09.07.2024</a:t>
+              <a:t>10.07.2024</a:t>
             </a:fld>
             <a:endParaRPr lang="ru-RU"/>
           </a:p>
@@ -4605,13 +4688,13 @@
   <p:clrMapOvr>
     <a:masterClrMapping/>
   </p:clrMapOvr>
-  <mc:AlternateContent xmlns:mc="http://schemas.openxmlformats.org/markup-compatibility/2006">
-    <mc:Choice xmlns:p14="http://schemas.microsoft.com/office/powerpoint/2010/main" Requires="p14">
+  <mc:AlternateContent xmlns:mc="http://schemas.openxmlformats.org/markup-compatibility/2006" xmlns:p14="http://schemas.microsoft.com/office/powerpoint/2010/main">
+    <mc:Choice Requires="p14">
       <p:transition spd="med" p14:dur="700">
         <p:fade/>
       </p:transition>
     </mc:Choice>
-    <mc:Fallback>
+    <mc:Fallback xmlns="">
       <p:transition spd="med">
         <p:fade/>
       </p:transition>
@@ -4658,7 +4741,7 @@
           <a:lstStyle/>
           <a:p>
             <a:r>
-              <a:rPr lang="ru-RU" smtClean="0"/>
+              <a:rPr lang="ru-RU"/>
               <a:t>Образец заголовка</a:t>
             </a:r>
             <a:endParaRPr lang="en-US" dirty="0"/>
@@ -4687,35 +4770,35 @@
           <a:p>
             <a:pPr lvl="0"/>
             <a:r>
-              <a:rPr lang="ru-RU" smtClean="0"/>
+              <a:rPr lang="ru-RU"/>
               <a:t>Образец текста</a:t>
             </a:r>
           </a:p>
           <a:p>
             <a:pPr lvl="1"/>
             <a:r>
-              <a:rPr lang="ru-RU" smtClean="0"/>
+              <a:rPr lang="ru-RU"/>
               <a:t>Второй уровень</a:t>
             </a:r>
           </a:p>
           <a:p>
             <a:pPr lvl="2"/>
             <a:r>
-              <a:rPr lang="ru-RU" smtClean="0"/>
+              <a:rPr lang="ru-RU"/>
               <a:t>Третий уровень</a:t>
             </a:r>
           </a:p>
           <a:p>
             <a:pPr lvl="3"/>
             <a:r>
-              <a:rPr lang="ru-RU" smtClean="0"/>
+              <a:rPr lang="ru-RU"/>
               <a:t>Четвертый уровень</a:t>
             </a:r>
           </a:p>
           <a:p>
             <a:pPr lvl="4"/>
             <a:r>
-              <a:rPr lang="ru-RU" smtClean="0"/>
+              <a:rPr lang="ru-RU"/>
               <a:t>Пятый уровень</a:t>
             </a:r>
             <a:endParaRPr lang="en-US" dirty="0"/>
@@ -4744,35 +4827,35 @@
           <a:p>
             <a:pPr lvl="0"/>
             <a:r>
-              <a:rPr lang="ru-RU" smtClean="0"/>
+              <a:rPr lang="ru-RU"/>
               <a:t>Образец текста</a:t>
             </a:r>
           </a:p>
           <a:p>
             <a:pPr lvl="1"/>
             <a:r>
-              <a:rPr lang="ru-RU" smtClean="0"/>
+              <a:rPr lang="ru-RU"/>
               <a:t>Второй уровень</a:t>
             </a:r>
           </a:p>
           <a:p>
             <a:pPr lvl="2"/>
             <a:r>
-              <a:rPr lang="ru-RU" smtClean="0"/>
+              <a:rPr lang="ru-RU"/>
               <a:t>Третий уровень</a:t>
             </a:r>
           </a:p>
           <a:p>
             <a:pPr lvl="3"/>
             <a:r>
-              <a:rPr lang="ru-RU" smtClean="0"/>
+              <a:rPr lang="ru-RU"/>
               <a:t>Четвертый уровень</a:t>
             </a:r>
           </a:p>
           <a:p>
             <a:pPr lvl="4"/>
             <a:r>
-              <a:rPr lang="ru-RU" smtClean="0"/>
+              <a:rPr lang="ru-RU"/>
               <a:t>Пятый уровень</a:t>
             </a:r>
             <a:endParaRPr lang="en-US" dirty="0"/>
@@ -4796,7 +4879,7 @@
           <a:p>
             <a:fld id="{1123DB51-CABB-4A3D-B6CF-9AD57D1D0126}" type="datetimeFigureOut">
               <a:rPr lang="ru-RU" smtClean="0"/>
-              <a:t>09.07.2024</a:t>
+              <a:t>10.07.2024</a:t>
             </a:fld>
             <a:endParaRPr lang="ru-RU"/>
           </a:p>
@@ -4854,13 +4937,13 @@
   <p:clrMapOvr>
     <a:masterClrMapping/>
   </p:clrMapOvr>
-  <mc:AlternateContent xmlns:mc="http://schemas.openxmlformats.org/markup-compatibility/2006">
-    <mc:Choice xmlns:p14="http://schemas.microsoft.com/office/powerpoint/2010/main" Requires="p14">
+  <mc:AlternateContent xmlns:mc="http://schemas.openxmlformats.org/markup-compatibility/2006" xmlns:p14="http://schemas.microsoft.com/office/powerpoint/2010/main">
+    <mc:Choice Requires="p14">
       <p:transition spd="med" p14:dur="700">
         <p:fade/>
       </p:transition>
     </mc:Choice>
-    <mc:Fallback>
+    <mc:Fallback xmlns="">
       <p:transition spd="med">
         <p:fade/>
       </p:transition>
@@ -4907,7 +4990,7 @@
           <a:lstStyle/>
           <a:p>
             <a:r>
-              <a:rPr lang="ru-RU" smtClean="0"/>
+              <a:rPr lang="ru-RU"/>
               <a:t>Образец заголовка</a:t>
             </a:r>
             <a:endParaRPr lang="en-US" dirty="0"/>
@@ -4979,7 +5062,7 @@
           <a:p>
             <a:pPr lvl="0"/>
             <a:r>
-              <a:rPr lang="ru-RU" smtClean="0"/>
+              <a:rPr lang="ru-RU"/>
               <a:t>Образец текста</a:t>
             </a:r>
           </a:p>
@@ -5007,35 +5090,35 @@
           <a:p>
             <a:pPr lvl="0"/>
             <a:r>
-              <a:rPr lang="ru-RU" smtClean="0"/>
+              <a:rPr lang="ru-RU"/>
               <a:t>Образец текста</a:t>
             </a:r>
           </a:p>
           <a:p>
             <a:pPr lvl="1"/>
             <a:r>
-              <a:rPr lang="ru-RU" smtClean="0"/>
+              <a:rPr lang="ru-RU"/>
               <a:t>Второй уровень</a:t>
             </a:r>
           </a:p>
           <a:p>
             <a:pPr lvl="2"/>
             <a:r>
-              <a:rPr lang="ru-RU" smtClean="0"/>
+              <a:rPr lang="ru-RU"/>
               <a:t>Третий уровень</a:t>
             </a:r>
           </a:p>
           <a:p>
             <a:pPr lvl="3"/>
             <a:r>
-              <a:rPr lang="ru-RU" smtClean="0"/>
+              <a:rPr lang="ru-RU"/>
               <a:t>Четвертый уровень</a:t>
             </a:r>
           </a:p>
           <a:p>
             <a:pPr lvl="4"/>
             <a:r>
-              <a:rPr lang="ru-RU" smtClean="0"/>
+              <a:rPr lang="ru-RU"/>
               <a:t>Пятый уровень</a:t>
             </a:r>
             <a:endParaRPr lang="en-US" dirty="0"/>
@@ -5107,7 +5190,7 @@
           <a:p>
             <a:pPr lvl="0"/>
             <a:r>
-              <a:rPr lang="ru-RU" smtClean="0"/>
+              <a:rPr lang="ru-RU"/>
               <a:t>Образец текста</a:t>
             </a:r>
           </a:p>
@@ -5135,35 +5218,35 @@
           <a:p>
             <a:pPr lvl="0"/>
             <a:r>
-              <a:rPr lang="ru-RU" smtClean="0"/>
+              <a:rPr lang="ru-RU"/>
               <a:t>Образец текста</a:t>
             </a:r>
           </a:p>
           <a:p>
             <a:pPr lvl="1"/>
             <a:r>
-              <a:rPr lang="ru-RU" smtClean="0"/>
+              <a:rPr lang="ru-RU"/>
               <a:t>Второй уровень</a:t>
             </a:r>
           </a:p>
           <a:p>
             <a:pPr lvl="2"/>
             <a:r>
-              <a:rPr lang="ru-RU" smtClean="0"/>
+              <a:rPr lang="ru-RU"/>
               <a:t>Третий уровень</a:t>
             </a:r>
           </a:p>
           <a:p>
             <a:pPr lvl="3"/>
             <a:r>
-              <a:rPr lang="ru-RU" smtClean="0"/>
+              <a:rPr lang="ru-RU"/>
               <a:t>Четвертый уровень</a:t>
             </a:r>
           </a:p>
           <a:p>
             <a:pPr lvl="4"/>
             <a:r>
-              <a:rPr lang="ru-RU" smtClean="0"/>
+              <a:rPr lang="ru-RU"/>
               <a:t>Пятый уровень</a:t>
             </a:r>
             <a:endParaRPr lang="en-US" dirty="0"/>
@@ -5187,7 +5270,7 @@
           <a:p>
             <a:fld id="{1123DB51-CABB-4A3D-B6CF-9AD57D1D0126}" type="datetimeFigureOut">
               <a:rPr lang="ru-RU" smtClean="0"/>
-              <a:t>09.07.2024</a:t>
+              <a:t>10.07.2024</a:t>
             </a:fld>
             <a:endParaRPr lang="ru-RU"/>
           </a:p>
@@ -5245,13 +5328,13 @@
   <p:clrMapOvr>
     <a:masterClrMapping/>
   </p:clrMapOvr>
-  <mc:AlternateContent xmlns:mc="http://schemas.openxmlformats.org/markup-compatibility/2006">
-    <mc:Choice xmlns:p14="http://schemas.microsoft.com/office/powerpoint/2010/main" Requires="p14">
+  <mc:AlternateContent xmlns:mc="http://schemas.openxmlformats.org/markup-compatibility/2006" xmlns:p14="http://schemas.microsoft.com/office/powerpoint/2010/main">
+    <mc:Choice Requires="p14">
       <p:transition spd="med" p14:dur="700">
         <p:fade/>
       </p:transition>
     </mc:Choice>
-    <mc:Fallback>
+    <mc:Fallback xmlns="">
       <p:transition spd="med">
         <p:fade/>
       </p:transition>
@@ -5293,7 +5376,7 @@
           <a:lstStyle/>
           <a:p>
             <a:r>
-              <a:rPr lang="ru-RU" smtClean="0"/>
+              <a:rPr lang="ru-RU"/>
               <a:t>Образец заголовка</a:t>
             </a:r>
             <a:endParaRPr lang="en-US" dirty="0"/>
@@ -5317,7 +5400,7 @@
           <a:p>
             <a:fld id="{1123DB51-CABB-4A3D-B6CF-9AD57D1D0126}" type="datetimeFigureOut">
               <a:rPr lang="ru-RU" smtClean="0"/>
-              <a:t>09.07.2024</a:t>
+              <a:t>10.07.2024</a:t>
             </a:fld>
             <a:endParaRPr lang="ru-RU"/>
           </a:p>
@@ -5375,13 +5458,13 @@
   <p:clrMapOvr>
     <a:masterClrMapping/>
   </p:clrMapOvr>
-  <mc:AlternateContent xmlns:mc="http://schemas.openxmlformats.org/markup-compatibility/2006">
-    <mc:Choice xmlns:p14="http://schemas.microsoft.com/office/powerpoint/2010/main" Requires="p14">
+  <mc:AlternateContent xmlns:mc="http://schemas.openxmlformats.org/markup-compatibility/2006" xmlns:p14="http://schemas.microsoft.com/office/powerpoint/2010/main">
+    <mc:Choice Requires="p14">
       <p:transition spd="med" p14:dur="700">
         <p:fade/>
       </p:transition>
     </mc:Choice>
-    <mc:Fallback>
+    <mc:Fallback xmlns="">
       <p:transition spd="med">
         <p:fade/>
       </p:transition>
@@ -5500,7 +5583,7 @@
           <a:p>
             <a:fld id="{1123DB51-CABB-4A3D-B6CF-9AD57D1D0126}" type="datetimeFigureOut">
               <a:rPr lang="ru-RU" smtClean="0"/>
-              <a:t>09.07.2024</a:t>
+              <a:t>10.07.2024</a:t>
             </a:fld>
             <a:endParaRPr lang="ru-RU"/>
           </a:p>
@@ -5566,13 +5649,13 @@
   <p:clrMapOvr>
     <a:masterClrMapping/>
   </p:clrMapOvr>
-  <mc:AlternateContent xmlns:mc="http://schemas.openxmlformats.org/markup-compatibility/2006">
-    <mc:Choice xmlns:p14="http://schemas.microsoft.com/office/powerpoint/2010/main" Requires="p14">
+  <mc:AlternateContent xmlns:mc="http://schemas.openxmlformats.org/markup-compatibility/2006" xmlns:p14="http://schemas.microsoft.com/office/powerpoint/2010/main">
+    <mc:Choice Requires="p14">
       <p:transition spd="med" p14:dur="700">
         <p:fade/>
       </p:transition>
     </mc:Choice>
-    <mc:Fallback>
+    <mc:Fallback xmlns="">
       <p:transition spd="med">
         <p:fade/>
       </p:transition>
@@ -5705,7 +5788,7 @@
           </a:lstStyle>
           <a:p>
             <a:r>
-              <a:rPr lang="ru-RU" smtClean="0"/>
+              <a:rPr lang="ru-RU"/>
               <a:t>Образец заголовка</a:t>
             </a:r>
             <a:endParaRPr lang="en-US" dirty="0"/>
@@ -5734,35 +5817,35 @@
           <a:p>
             <a:pPr lvl="0"/>
             <a:r>
-              <a:rPr lang="ru-RU" smtClean="0"/>
+              <a:rPr lang="ru-RU"/>
               <a:t>Образец текста</a:t>
             </a:r>
           </a:p>
           <a:p>
             <a:pPr lvl="1"/>
             <a:r>
-              <a:rPr lang="ru-RU" smtClean="0"/>
+              <a:rPr lang="ru-RU"/>
               <a:t>Второй уровень</a:t>
             </a:r>
           </a:p>
           <a:p>
             <a:pPr lvl="2"/>
             <a:r>
-              <a:rPr lang="ru-RU" smtClean="0"/>
+              <a:rPr lang="ru-RU"/>
               <a:t>Третий уровень</a:t>
             </a:r>
           </a:p>
           <a:p>
             <a:pPr lvl="3"/>
             <a:r>
-              <a:rPr lang="ru-RU" smtClean="0"/>
+              <a:rPr lang="ru-RU"/>
               <a:t>Четвертый уровень</a:t>
             </a:r>
           </a:p>
           <a:p>
             <a:pPr lvl="4"/>
             <a:r>
-              <a:rPr lang="ru-RU" smtClean="0"/>
+              <a:rPr lang="ru-RU"/>
               <a:t>Пятый уровень</a:t>
             </a:r>
             <a:endParaRPr lang="en-US" dirty="0"/>
@@ -5834,7 +5917,7 @@
           <a:p>
             <a:pPr lvl="0"/>
             <a:r>
-              <a:rPr lang="ru-RU" smtClean="0"/>
+              <a:rPr lang="ru-RU"/>
               <a:t>Образец текста</a:t>
             </a:r>
           </a:p>
@@ -5866,7 +5949,7 @@
           <a:p>
             <a:fld id="{1123DB51-CABB-4A3D-B6CF-9AD57D1D0126}" type="datetimeFigureOut">
               <a:rPr lang="ru-RU" smtClean="0"/>
-              <a:t>09.07.2024</a:t>
+              <a:t>10.07.2024</a:t>
             </a:fld>
             <a:endParaRPr lang="ru-RU"/>
           </a:p>
@@ -5945,13 +6028,13 @@
   <p:clrMapOvr>
     <a:masterClrMapping/>
   </p:clrMapOvr>
-  <mc:AlternateContent xmlns:mc="http://schemas.openxmlformats.org/markup-compatibility/2006">
-    <mc:Choice xmlns:p14="http://schemas.microsoft.com/office/powerpoint/2010/main" Requires="p14">
+  <mc:AlternateContent xmlns:mc="http://schemas.openxmlformats.org/markup-compatibility/2006" xmlns:p14="http://schemas.microsoft.com/office/powerpoint/2010/main">
+    <mc:Choice Requires="p14">
       <p:transition spd="med" p14:dur="700">
         <p:fade/>
       </p:transition>
     </mc:Choice>
-    <mc:Fallback>
+    <mc:Fallback xmlns="">
       <p:transition spd="med">
         <p:fade/>
       </p:transition>
@@ -6084,7 +6167,7 @@
           </a:lstStyle>
           <a:p>
             <a:r>
-              <a:rPr lang="ru-RU" smtClean="0"/>
+              <a:rPr lang="ru-RU"/>
               <a:t>Образец заголовка</a:t>
             </a:r>
             <a:endParaRPr lang="en-US" dirty="0"/>
@@ -6154,7 +6237,7 @@
           </a:lstStyle>
           <a:p>
             <a:r>
-              <a:rPr lang="ru-RU" smtClean="0"/>
+              <a:rPr lang="ru-RU"/>
               <a:t>Вставка рисунка</a:t>
             </a:r>
             <a:endParaRPr lang="en-US" dirty="0"/>
@@ -6232,7 +6315,7 @@
           <a:p>
             <a:pPr lvl="0"/>
             <a:r>
-              <a:rPr lang="ru-RU" smtClean="0"/>
+              <a:rPr lang="ru-RU"/>
               <a:t>Образец текста</a:t>
             </a:r>
           </a:p>
@@ -6255,7 +6338,7 @@
           <a:p>
             <a:fld id="{1123DB51-CABB-4A3D-B6CF-9AD57D1D0126}" type="datetimeFigureOut">
               <a:rPr lang="ru-RU" smtClean="0"/>
-              <a:t>09.07.2024</a:t>
+              <a:t>10.07.2024</a:t>
             </a:fld>
             <a:endParaRPr lang="ru-RU"/>
           </a:p>
@@ -6313,13 +6396,13 @@
   <p:clrMapOvr>
     <a:masterClrMapping/>
   </p:clrMapOvr>
-  <mc:AlternateContent xmlns:mc="http://schemas.openxmlformats.org/markup-compatibility/2006">
-    <mc:Choice xmlns:p14="http://schemas.microsoft.com/office/powerpoint/2010/main" Requires="p14">
+  <mc:AlternateContent xmlns:mc="http://schemas.openxmlformats.org/markup-compatibility/2006" xmlns:p14="http://schemas.microsoft.com/office/powerpoint/2010/main">
+    <mc:Choice Requires="p14">
       <p:transition spd="med" p14:dur="700">
         <p:fade/>
       </p:transition>
     </mc:Choice>
-    <mc:Fallback>
+    <mc:Fallback xmlns="">
       <p:transition spd="med">
         <p:fade/>
       </p:transition>
@@ -6361,7 +6444,7 @@
           <a:lstStyle/>
           <a:p>
             <a:r>
-              <a:rPr lang="ru-RU" smtClean="0"/>
+              <a:rPr lang="ru-RU"/>
               <a:t>Образец заголовка</a:t>
             </a:r>
             <a:endParaRPr lang="en-US" dirty="0"/>
@@ -6385,35 +6468,35 @@
           <a:p>
             <a:pPr lvl="0"/>
             <a:r>
-              <a:rPr lang="ru-RU" smtClean="0"/>
+              <a:rPr lang="ru-RU"/>
               <a:t>Образец текста</a:t>
             </a:r>
           </a:p>
           <a:p>
             <a:pPr lvl="1"/>
             <a:r>
-              <a:rPr lang="ru-RU" smtClean="0"/>
+              <a:rPr lang="ru-RU"/>
               <a:t>Второй уровень</a:t>
             </a:r>
           </a:p>
           <a:p>
             <a:pPr lvl="2"/>
             <a:r>
-              <a:rPr lang="ru-RU" smtClean="0"/>
+              <a:rPr lang="ru-RU"/>
               <a:t>Третий уровень</a:t>
             </a:r>
           </a:p>
           <a:p>
             <a:pPr lvl="3"/>
             <a:r>
-              <a:rPr lang="ru-RU" smtClean="0"/>
+              <a:rPr lang="ru-RU"/>
               <a:t>Четвертый уровень</a:t>
             </a:r>
           </a:p>
           <a:p>
             <a:pPr lvl="4"/>
             <a:r>
-              <a:rPr lang="ru-RU" smtClean="0"/>
+              <a:rPr lang="ru-RU"/>
               <a:t>Пятый уровень</a:t>
             </a:r>
             <a:endParaRPr lang="en-US" dirty="0"/>
@@ -6437,7 +6520,7 @@
           <a:p>
             <a:fld id="{1123DB51-CABB-4A3D-B6CF-9AD57D1D0126}" type="datetimeFigureOut">
               <a:rPr lang="ru-RU" smtClean="0"/>
-              <a:t>09.07.2024</a:t>
+              <a:t>10.07.2024</a:t>
             </a:fld>
             <a:endParaRPr lang="ru-RU"/>
           </a:p>
@@ -6495,13 +6578,13 @@
   <p:clrMapOvr>
     <a:masterClrMapping/>
   </p:clrMapOvr>
-  <mc:AlternateContent xmlns:mc="http://schemas.openxmlformats.org/markup-compatibility/2006">
-    <mc:Choice xmlns:p14="http://schemas.microsoft.com/office/powerpoint/2010/main" Requires="p14">
+  <mc:AlternateContent xmlns:mc="http://schemas.openxmlformats.org/markup-compatibility/2006" xmlns:p14="http://schemas.microsoft.com/office/powerpoint/2010/main">
+    <mc:Choice Requires="p14">
       <p:transition spd="med" p14:dur="700">
         <p:fade/>
       </p:transition>
     </mc:Choice>
-    <mc:Fallback>
+    <mc:Fallback xmlns="">
       <p:transition spd="med">
         <p:fade/>
       </p:transition>
@@ -6624,7 +6707,7 @@
           <a:lstStyle/>
           <a:p>
             <a:r>
-              <a:rPr lang="ru-RU" smtClean="0"/>
+              <a:rPr lang="ru-RU"/>
               <a:t>Образец заголовка</a:t>
             </a:r>
             <a:endParaRPr lang="en-US" dirty="0"/>
@@ -6653,35 +6736,35 @@
           <a:p>
             <a:pPr lvl="0"/>
             <a:r>
-              <a:rPr lang="ru-RU" smtClean="0"/>
+              <a:rPr lang="ru-RU"/>
               <a:t>Образец текста</a:t>
             </a:r>
           </a:p>
           <a:p>
             <a:pPr lvl="1"/>
             <a:r>
-              <a:rPr lang="ru-RU" smtClean="0"/>
+              <a:rPr lang="ru-RU"/>
               <a:t>Второй уровень</a:t>
             </a:r>
           </a:p>
           <a:p>
             <a:pPr lvl="2"/>
             <a:r>
-              <a:rPr lang="ru-RU" smtClean="0"/>
+              <a:rPr lang="ru-RU"/>
               <a:t>Третий уровень</a:t>
             </a:r>
           </a:p>
           <a:p>
             <a:pPr lvl="3"/>
             <a:r>
-              <a:rPr lang="ru-RU" smtClean="0"/>
+              <a:rPr lang="ru-RU"/>
               <a:t>Четвертый уровень</a:t>
             </a:r>
           </a:p>
           <a:p>
             <a:pPr lvl="4"/>
             <a:r>
-              <a:rPr lang="ru-RU" smtClean="0"/>
+              <a:rPr lang="ru-RU"/>
               <a:t>Пятый уровень</a:t>
             </a:r>
             <a:endParaRPr lang="en-US" dirty="0"/>
@@ -6705,7 +6788,7 @@
           <a:p>
             <a:fld id="{1123DB51-CABB-4A3D-B6CF-9AD57D1D0126}" type="datetimeFigureOut">
               <a:rPr lang="ru-RU" smtClean="0"/>
-              <a:t>09.07.2024</a:t>
+              <a:t>10.07.2024</a:t>
             </a:fld>
             <a:endParaRPr lang="ru-RU"/>
           </a:p>
@@ -6763,13 +6846,13 @@
   <p:clrMapOvr>
     <a:masterClrMapping/>
   </p:clrMapOvr>
-  <mc:AlternateContent xmlns:mc="http://schemas.openxmlformats.org/markup-compatibility/2006">
-    <mc:Choice xmlns:p14="http://schemas.microsoft.com/office/powerpoint/2010/main" Requires="p14">
+  <mc:AlternateContent xmlns:mc="http://schemas.openxmlformats.org/markup-compatibility/2006" xmlns:p14="http://schemas.microsoft.com/office/powerpoint/2010/main">
+    <mc:Choice Requires="p14">
       <p:transition spd="med" p14:dur="700">
         <p:fade/>
       </p:transition>
     </mc:Choice>
-    <mc:Fallback>
+    <mc:Fallback xmlns="">
       <p:transition spd="med">
         <p:fade/>
       </p:transition>
@@ -6820,7 +6903,7 @@
           </a:lstStyle>
           <a:p>
             <a:r>
-              <a:rPr lang="ru-RU" smtClean="0"/>
+              <a:rPr lang="ru-RU"/>
               <a:t>Образец заголовка</a:t>
             </a:r>
             <a:endParaRPr lang="en-US" dirty="0"/>
@@ -6941,7 +7024,7 @@
           <a:p>
             <a:pPr lvl="0"/>
             <a:r>
-              <a:rPr lang="ru-RU" smtClean="0"/>
+              <a:rPr lang="ru-RU"/>
               <a:t>Образец текста</a:t>
             </a:r>
           </a:p>
@@ -6964,7 +7047,7 @@
           <a:p>
             <a:fld id="{1123DB51-CABB-4A3D-B6CF-9AD57D1D0126}" type="datetimeFigureOut">
               <a:rPr lang="ru-RU" smtClean="0"/>
-              <a:t>09.07.2024</a:t>
+              <a:t>10.07.2024</a:t>
             </a:fld>
             <a:endParaRPr lang="ru-RU"/>
           </a:p>
@@ -7022,13 +7105,13 @@
   <p:clrMapOvr>
     <a:masterClrMapping/>
   </p:clrMapOvr>
-  <mc:AlternateContent xmlns:mc="http://schemas.openxmlformats.org/markup-compatibility/2006">
-    <mc:Choice xmlns:p14="http://schemas.microsoft.com/office/powerpoint/2010/main" Requires="p14">
+  <mc:AlternateContent xmlns:mc="http://schemas.openxmlformats.org/markup-compatibility/2006" xmlns:p14="http://schemas.microsoft.com/office/powerpoint/2010/main">
+    <mc:Choice Requires="p14">
       <p:transition spd="med" p14:dur="700">
         <p:fade/>
       </p:transition>
     </mc:Choice>
-    <mc:Fallback>
+    <mc:Fallback xmlns="">
       <p:transition spd="med">
         <p:fade/>
       </p:transition>
@@ -7070,7 +7153,7 @@
           <a:lstStyle/>
           <a:p>
             <a:r>
-              <a:rPr lang="ru-RU" smtClean="0"/>
+              <a:rPr lang="ru-RU"/>
               <a:t>Образец заголовка</a:t>
             </a:r>
             <a:endParaRPr lang="en-US" dirty="0"/>
@@ -7099,35 +7182,35 @@
           <a:p>
             <a:pPr lvl="0"/>
             <a:r>
-              <a:rPr lang="ru-RU" smtClean="0"/>
+              <a:rPr lang="ru-RU"/>
               <a:t>Образец текста</a:t>
             </a:r>
           </a:p>
           <a:p>
             <a:pPr lvl="1"/>
             <a:r>
-              <a:rPr lang="ru-RU" smtClean="0"/>
+              <a:rPr lang="ru-RU"/>
               <a:t>Второй уровень</a:t>
             </a:r>
           </a:p>
           <a:p>
             <a:pPr lvl="2"/>
             <a:r>
-              <a:rPr lang="ru-RU" smtClean="0"/>
+              <a:rPr lang="ru-RU"/>
               <a:t>Третий уровень</a:t>
             </a:r>
           </a:p>
           <a:p>
             <a:pPr lvl="3"/>
             <a:r>
-              <a:rPr lang="ru-RU" smtClean="0"/>
+              <a:rPr lang="ru-RU"/>
               <a:t>Четвертый уровень</a:t>
             </a:r>
           </a:p>
           <a:p>
             <a:pPr lvl="4"/>
             <a:r>
-              <a:rPr lang="ru-RU" smtClean="0"/>
+              <a:rPr lang="ru-RU"/>
               <a:t>Пятый уровень</a:t>
             </a:r>
             <a:endParaRPr lang="en-US" dirty="0"/>
@@ -7156,35 +7239,35 @@
           <a:p>
             <a:pPr lvl="0"/>
             <a:r>
-              <a:rPr lang="ru-RU" smtClean="0"/>
+              <a:rPr lang="ru-RU"/>
               <a:t>Образец текста</a:t>
             </a:r>
           </a:p>
           <a:p>
             <a:pPr lvl="1"/>
             <a:r>
-              <a:rPr lang="ru-RU" smtClean="0"/>
+              <a:rPr lang="ru-RU"/>
               <a:t>Второй уровень</a:t>
             </a:r>
           </a:p>
           <a:p>
             <a:pPr lvl="2"/>
             <a:r>
-              <a:rPr lang="ru-RU" smtClean="0"/>
+              <a:rPr lang="ru-RU"/>
               <a:t>Третий уровень</a:t>
             </a:r>
           </a:p>
           <a:p>
             <a:pPr lvl="3"/>
             <a:r>
-              <a:rPr lang="ru-RU" smtClean="0"/>
+              <a:rPr lang="ru-RU"/>
               <a:t>Четвертый уровень</a:t>
             </a:r>
           </a:p>
           <a:p>
             <a:pPr lvl="4"/>
             <a:r>
-              <a:rPr lang="ru-RU" smtClean="0"/>
+              <a:rPr lang="ru-RU"/>
               <a:t>Пятый уровень</a:t>
             </a:r>
             <a:endParaRPr lang="en-US" dirty="0"/>
@@ -7208,7 +7291,7 @@
           <a:p>
             <a:fld id="{1123DB51-CABB-4A3D-B6CF-9AD57D1D0126}" type="datetimeFigureOut">
               <a:rPr lang="ru-RU" smtClean="0"/>
-              <a:t>09.07.2024</a:t>
+              <a:t>10.07.2024</a:t>
             </a:fld>
             <a:endParaRPr lang="ru-RU"/>
           </a:p>
@@ -7266,13 +7349,13 @@
   <p:clrMapOvr>
     <a:masterClrMapping/>
   </p:clrMapOvr>
-  <mc:AlternateContent xmlns:mc="http://schemas.openxmlformats.org/markup-compatibility/2006">
-    <mc:Choice xmlns:p14="http://schemas.microsoft.com/office/powerpoint/2010/main" Requires="p14">
+  <mc:AlternateContent xmlns:mc="http://schemas.openxmlformats.org/markup-compatibility/2006" xmlns:p14="http://schemas.microsoft.com/office/powerpoint/2010/main">
+    <mc:Choice Requires="p14">
       <p:transition spd="med" p14:dur="700">
         <p:fade/>
       </p:transition>
     </mc:Choice>
-    <mc:Fallback>
+    <mc:Fallback xmlns="">
       <p:transition spd="med">
         <p:fade/>
       </p:transition>
@@ -7318,7 +7401,7 @@
           </a:lstStyle>
           <a:p>
             <a:r>
-              <a:rPr lang="ru-RU" smtClean="0"/>
+              <a:rPr lang="ru-RU"/>
               <a:t>Образец заголовка</a:t>
             </a:r>
             <a:endParaRPr lang="en-US" dirty="0"/>
@@ -7386,7 +7469,7 @@
           <a:p>
             <a:pPr lvl="0"/>
             <a:r>
-              <a:rPr lang="ru-RU" smtClean="0"/>
+              <a:rPr lang="ru-RU"/>
               <a:t>Образец текста</a:t>
             </a:r>
           </a:p>
@@ -7416,35 +7499,35 @@
           <a:p>
             <a:pPr lvl="0"/>
             <a:r>
-              <a:rPr lang="ru-RU" smtClean="0"/>
+              <a:rPr lang="ru-RU"/>
               <a:t>Образец текста</a:t>
             </a:r>
           </a:p>
           <a:p>
             <a:pPr lvl="1"/>
             <a:r>
-              <a:rPr lang="ru-RU" smtClean="0"/>
+              <a:rPr lang="ru-RU"/>
               <a:t>Второй уровень</a:t>
             </a:r>
           </a:p>
           <a:p>
             <a:pPr lvl="2"/>
             <a:r>
-              <a:rPr lang="ru-RU" smtClean="0"/>
+              <a:rPr lang="ru-RU"/>
               <a:t>Третий уровень</a:t>
             </a:r>
           </a:p>
           <a:p>
             <a:pPr lvl="3"/>
             <a:r>
-              <a:rPr lang="ru-RU" smtClean="0"/>
+              <a:rPr lang="ru-RU"/>
               <a:t>Четвертый уровень</a:t>
             </a:r>
           </a:p>
           <a:p>
             <a:pPr lvl="4"/>
             <a:r>
-              <a:rPr lang="ru-RU" smtClean="0"/>
+              <a:rPr lang="ru-RU"/>
               <a:t>Пятый уровень</a:t>
             </a:r>
             <a:endParaRPr lang="en-US" dirty="0"/>
@@ -7512,7 +7595,7 @@
           <a:p>
             <a:pPr lvl="0"/>
             <a:r>
-              <a:rPr lang="ru-RU" smtClean="0"/>
+              <a:rPr lang="ru-RU"/>
               <a:t>Образец текста</a:t>
             </a:r>
           </a:p>
@@ -7542,35 +7625,35 @@
           <a:p>
             <a:pPr lvl="0"/>
             <a:r>
-              <a:rPr lang="ru-RU" smtClean="0"/>
+              <a:rPr lang="ru-RU"/>
               <a:t>Образец текста</a:t>
             </a:r>
           </a:p>
           <a:p>
             <a:pPr lvl="1"/>
             <a:r>
-              <a:rPr lang="ru-RU" smtClean="0"/>
+              <a:rPr lang="ru-RU"/>
               <a:t>Второй уровень</a:t>
             </a:r>
           </a:p>
           <a:p>
             <a:pPr lvl="2"/>
             <a:r>
-              <a:rPr lang="ru-RU" smtClean="0"/>
+              <a:rPr lang="ru-RU"/>
               <a:t>Третий уровень</a:t>
             </a:r>
           </a:p>
           <a:p>
             <a:pPr lvl="3"/>
             <a:r>
-              <a:rPr lang="ru-RU" smtClean="0"/>
+              <a:rPr lang="ru-RU"/>
               <a:t>Четвертый уровень</a:t>
             </a:r>
           </a:p>
           <a:p>
             <a:pPr lvl="4"/>
             <a:r>
-              <a:rPr lang="ru-RU" smtClean="0"/>
+              <a:rPr lang="ru-RU"/>
               <a:t>Пятый уровень</a:t>
             </a:r>
             <a:endParaRPr lang="en-US" dirty="0"/>
@@ -7594,7 +7677,7 @@
           <a:p>
             <a:fld id="{1123DB51-CABB-4A3D-B6CF-9AD57D1D0126}" type="datetimeFigureOut">
               <a:rPr lang="ru-RU" smtClean="0"/>
-              <a:t>09.07.2024</a:t>
+              <a:t>10.07.2024</a:t>
             </a:fld>
             <a:endParaRPr lang="ru-RU"/>
           </a:p>
@@ -7652,13 +7735,13 @@
   <p:clrMapOvr>
     <a:masterClrMapping/>
   </p:clrMapOvr>
-  <mc:AlternateContent xmlns:mc="http://schemas.openxmlformats.org/markup-compatibility/2006">
-    <mc:Choice xmlns:p14="http://schemas.microsoft.com/office/powerpoint/2010/main" Requires="p14">
+  <mc:AlternateContent xmlns:mc="http://schemas.openxmlformats.org/markup-compatibility/2006" xmlns:p14="http://schemas.microsoft.com/office/powerpoint/2010/main">
+    <mc:Choice Requires="p14">
       <p:transition spd="med" p14:dur="700">
         <p:fade/>
       </p:transition>
     </mc:Choice>
-    <mc:Fallback>
+    <mc:Fallback xmlns="">
       <p:transition spd="med">
         <p:fade/>
       </p:transition>
@@ -7705,7 +7788,7 @@
           <a:lstStyle/>
           <a:p>
             <a:r>
-              <a:rPr lang="ru-RU" smtClean="0"/>
+              <a:rPr lang="ru-RU"/>
               <a:t>Образец заголовка</a:t>
             </a:r>
             <a:endParaRPr lang="en-US" dirty="0"/>
@@ -7729,7 +7812,7 @@
           <a:p>
             <a:fld id="{1123DB51-CABB-4A3D-B6CF-9AD57D1D0126}" type="datetimeFigureOut">
               <a:rPr lang="ru-RU" smtClean="0"/>
-              <a:t>09.07.2024</a:t>
+              <a:t>10.07.2024</a:t>
             </a:fld>
             <a:endParaRPr lang="ru-RU"/>
           </a:p>
@@ -7787,13 +7870,13 @@
   <p:clrMapOvr>
     <a:masterClrMapping/>
   </p:clrMapOvr>
-  <mc:AlternateContent xmlns:mc="http://schemas.openxmlformats.org/markup-compatibility/2006">
-    <mc:Choice xmlns:p14="http://schemas.microsoft.com/office/powerpoint/2010/main" Requires="p14">
+  <mc:AlternateContent xmlns:mc="http://schemas.openxmlformats.org/markup-compatibility/2006" xmlns:p14="http://schemas.microsoft.com/office/powerpoint/2010/main">
+    <mc:Choice Requires="p14">
       <p:transition spd="med" p14:dur="700">
         <p:fade/>
       </p:transition>
     </mc:Choice>
-    <mc:Fallback>
+    <mc:Fallback xmlns="">
       <p:transition spd="med">
         <p:fade/>
       </p:transition>
@@ -7836,7 +7919,7 @@
           <a:p>
             <a:fld id="{1123DB51-CABB-4A3D-B6CF-9AD57D1D0126}" type="datetimeFigureOut">
               <a:rPr lang="ru-RU" smtClean="0"/>
-              <a:t>09.07.2024</a:t>
+              <a:t>10.07.2024</a:t>
             </a:fld>
             <a:endParaRPr lang="ru-RU"/>
           </a:p>
@@ -7894,13 +7977,13 @@
   <p:clrMapOvr>
     <a:masterClrMapping/>
   </p:clrMapOvr>
-  <mc:AlternateContent xmlns:mc="http://schemas.openxmlformats.org/markup-compatibility/2006">
-    <mc:Choice xmlns:p14="http://schemas.microsoft.com/office/powerpoint/2010/main" Requires="p14">
+  <mc:AlternateContent xmlns:mc="http://schemas.openxmlformats.org/markup-compatibility/2006" xmlns:p14="http://schemas.microsoft.com/office/powerpoint/2010/main">
+    <mc:Choice Requires="p14">
       <p:transition spd="med" p14:dur="700">
         <p:fade/>
       </p:transition>
     </mc:Choice>
-    <mc:Fallback>
+    <mc:Fallback xmlns="">
       <p:transition spd="med">
         <p:fade/>
       </p:transition>
@@ -7953,7 +8036,7 @@
           </a:lstStyle>
           <a:p>
             <a:r>
-              <a:rPr lang="ru-RU" smtClean="0"/>
+              <a:rPr lang="ru-RU"/>
               <a:t>Образец заголовка</a:t>
             </a:r>
             <a:endParaRPr lang="en-US" dirty="0"/>
@@ -7984,35 +8067,35 @@
           <a:p>
             <a:pPr lvl="0"/>
             <a:r>
-              <a:rPr lang="ru-RU" smtClean="0"/>
+              <a:rPr lang="ru-RU"/>
               <a:t>Образец текста</a:t>
             </a:r>
           </a:p>
           <a:p>
             <a:pPr lvl="1"/>
             <a:r>
-              <a:rPr lang="ru-RU" smtClean="0"/>
+              <a:rPr lang="ru-RU"/>
               <a:t>Второй уровень</a:t>
             </a:r>
           </a:p>
           <a:p>
             <a:pPr lvl="2"/>
             <a:r>
-              <a:rPr lang="ru-RU" smtClean="0"/>
+              <a:rPr lang="ru-RU"/>
               <a:t>Третий уровень</a:t>
             </a:r>
           </a:p>
           <a:p>
             <a:pPr lvl="3"/>
             <a:r>
-              <a:rPr lang="ru-RU" smtClean="0"/>
+              <a:rPr lang="ru-RU"/>
               <a:t>Четвертый уровень</a:t>
             </a:r>
           </a:p>
           <a:p>
             <a:pPr lvl="4"/>
             <a:r>
-              <a:rPr lang="ru-RU" smtClean="0"/>
+              <a:rPr lang="ru-RU"/>
               <a:t>Пятый уровень</a:t>
             </a:r>
             <a:endParaRPr lang="en-US" dirty="0"/>
@@ -8080,7 +8163,7 @@
           <a:p>
             <a:pPr lvl="0"/>
             <a:r>
-              <a:rPr lang="ru-RU" smtClean="0"/>
+              <a:rPr lang="ru-RU"/>
               <a:t>Образец текста</a:t>
             </a:r>
           </a:p>
@@ -8103,7 +8186,7 @@
           <a:p>
             <a:fld id="{1123DB51-CABB-4A3D-B6CF-9AD57D1D0126}" type="datetimeFigureOut">
               <a:rPr lang="ru-RU" smtClean="0"/>
-              <a:t>09.07.2024</a:t>
+              <a:t>10.07.2024</a:t>
             </a:fld>
             <a:endParaRPr lang="ru-RU"/>
           </a:p>
@@ -8161,13 +8244,13 @@
   <p:clrMapOvr>
     <a:masterClrMapping/>
   </p:clrMapOvr>
-  <mc:AlternateContent xmlns:mc="http://schemas.openxmlformats.org/markup-compatibility/2006">
-    <mc:Choice xmlns:p14="http://schemas.microsoft.com/office/powerpoint/2010/main" Requires="p14">
+  <mc:AlternateContent xmlns:mc="http://schemas.openxmlformats.org/markup-compatibility/2006" xmlns:p14="http://schemas.microsoft.com/office/powerpoint/2010/main">
+    <mc:Choice Requires="p14">
       <p:transition spd="med" p14:dur="700">
         <p:fade/>
       </p:transition>
     </mc:Choice>
-    <mc:Fallback>
+    <mc:Fallback xmlns="">
       <p:transition spd="med">
         <p:fade/>
       </p:transition>
@@ -8220,7 +8303,7 @@
           </a:lstStyle>
           <a:p>
             <a:r>
-              <a:rPr lang="ru-RU" smtClean="0"/>
+              <a:rPr lang="ru-RU"/>
               <a:t>Образец заголовка</a:t>
             </a:r>
             <a:endParaRPr lang="en-US" dirty="0"/>
@@ -8287,7 +8370,7 @@
           </a:lstStyle>
           <a:p>
             <a:r>
-              <a:rPr lang="ru-RU" smtClean="0"/>
+              <a:rPr lang="ru-RU"/>
               <a:t>Вставка рисунка</a:t>
             </a:r>
             <a:endParaRPr lang="en-US" dirty="0"/>
@@ -8355,7 +8438,7 @@
           <a:p>
             <a:pPr lvl="0"/>
             <a:r>
-              <a:rPr lang="ru-RU" smtClean="0"/>
+              <a:rPr lang="ru-RU"/>
               <a:t>Образец текста</a:t>
             </a:r>
           </a:p>
@@ -8420,7 +8503,7 @@
           <a:p>
             <a:fld id="{1123DB51-CABB-4A3D-B6CF-9AD57D1D0126}" type="datetimeFigureOut">
               <a:rPr lang="ru-RU" smtClean="0"/>
-              <a:t>09.07.2024</a:t>
+              <a:t>10.07.2024</a:t>
             </a:fld>
             <a:endParaRPr lang="ru-RU"/>
           </a:p>
@@ -8436,13 +8519,13 @@
   <p:clrMapOvr>
     <a:masterClrMapping/>
   </p:clrMapOvr>
-  <mc:AlternateContent xmlns:mc="http://schemas.openxmlformats.org/markup-compatibility/2006">
-    <mc:Choice xmlns:p14="http://schemas.microsoft.com/office/powerpoint/2010/main" Requires="p14">
+  <mc:AlternateContent xmlns:mc="http://schemas.openxmlformats.org/markup-compatibility/2006" xmlns:p14="http://schemas.microsoft.com/office/powerpoint/2010/main">
+    <mc:Choice Requires="p14">
       <p:transition spd="med" p14:dur="700">
         <p:fade/>
       </p:transition>
     </mc:Choice>
-    <mc:Fallback>
+    <mc:Fallback xmlns="">
       <p:transition spd="med">
         <p:fade/>
       </p:transition>
@@ -9030,7 +9113,7 @@
           <a:lstStyle/>
           <a:p>
             <a:r>
-              <a:rPr lang="ru-RU" smtClean="0"/>
+              <a:rPr lang="ru-RU"/>
               <a:t>Образец заголовка</a:t>
             </a:r>
             <a:endParaRPr lang="en-US" dirty="0"/>
@@ -9064,35 +9147,35 @@
           <a:p>
             <a:pPr lvl="0"/>
             <a:r>
-              <a:rPr lang="ru-RU" smtClean="0"/>
+              <a:rPr lang="ru-RU"/>
               <a:t>Образец текста</a:t>
             </a:r>
           </a:p>
           <a:p>
             <a:pPr lvl="1"/>
             <a:r>
-              <a:rPr lang="ru-RU" smtClean="0"/>
+              <a:rPr lang="ru-RU"/>
               <a:t>Второй уровень</a:t>
             </a:r>
           </a:p>
           <a:p>
             <a:pPr lvl="2"/>
             <a:r>
-              <a:rPr lang="ru-RU" smtClean="0"/>
+              <a:rPr lang="ru-RU"/>
               <a:t>Третий уровень</a:t>
             </a:r>
           </a:p>
           <a:p>
             <a:pPr lvl="3"/>
             <a:r>
-              <a:rPr lang="ru-RU" smtClean="0"/>
+              <a:rPr lang="ru-RU"/>
               <a:t>Четвертый уровень</a:t>
             </a:r>
           </a:p>
           <a:p>
             <a:pPr lvl="4"/>
             <a:r>
-              <a:rPr lang="ru-RU" smtClean="0"/>
+              <a:rPr lang="ru-RU"/>
               <a:t>Пятый уровень</a:t>
             </a:r>
             <a:endParaRPr lang="en-US" dirty="0"/>
@@ -9134,7 +9217,7 @@
           <a:p>
             <a:fld id="{1123DB51-CABB-4A3D-B6CF-9AD57D1D0126}" type="datetimeFigureOut">
               <a:rPr lang="ru-RU" smtClean="0"/>
-              <a:t>09.07.2024</a:t>
+              <a:t>10.07.2024</a:t>
             </a:fld>
             <a:endParaRPr lang="ru-RU"/>
           </a:p>
@@ -9242,13 +9325,13 @@
     <p:sldLayoutId id="2147483931" r:id="rId15"/>
     <p:sldLayoutId id="2147483932" r:id="rId16"/>
   </p:sldLayoutIdLst>
-  <mc:AlternateContent xmlns:mc="http://schemas.openxmlformats.org/markup-compatibility/2006">
-    <mc:Choice xmlns:p14="http://schemas.microsoft.com/office/powerpoint/2010/main" Requires="p14">
+  <mc:AlternateContent xmlns:mc="http://schemas.openxmlformats.org/markup-compatibility/2006" xmlns:p14="http://schemas.microsoft.com/office/powerpoint/2010/main">
+    <mc:Choice Requires="p14">
       <p:transition spd="med" p14:dur="700">
         <p:fade/>
       </p:transition>
     </mc:Choice>
-    <mc:Fallback>
+    <mc:Fallback xmlns="">
       <p:transition spd="med">
         <p:fade/>
       </p:transition>
@@ -9777,7 +9860,7 @@
           <a:lstStyle/>
           <a:p>
             <a:r>
-              <a:rPr lang="ru-RU" smtClean="0"/>
+              <a:rPr lang="ru-RU"/>
               <a:t>Образец заголовка</a:t>
             </a:r>
             <a:endParaRPr lang="en-US" dirty="0"/>
@@ -9811,35 +9894,35 @@
           <a:p>
             <a:pPr lvl="0"/>
             <a:r>
-              <a:rPr lang="ru-RU" smtClean="0"/>
+              <a:rPr lang="ru-RU"/>
               <a:t>Образец текста</a:t>
             </a:r>
           </a:p>
           <a:p>
             <a:pPr lvl="1"/>
             <a:r>
-              <a:rPr lang="ru-RU" smtClean="0"/>
+              <a:rPr lang="ru-RU"/>
               <a:t>Второй уровень</a:t>
             </a:r>
           </a:p>
           <a:p>
             <a:pPr lvl="2"/>
             <a:r>
-              <a:rPr lang="ru-RU" smtClean="0"/>
+              <a:rPr lang="ru-RU"/>
               <a:t>Третий уровень</a:t>
             </a:r>
           </a:p>
           <a:p>
             <a:pPr lvl="3"/>
             <a:r>
-              <a:rPr lang="ru-RU" smtClean="0"/>
+              <a:rPr lang="ru-RU"/>
               <a:t>Четвертый уровень</a:t>
             </a:r>
           </a:p>
           <a:p>
             <a:pPr lvl="4"/>
             <a:r>
-              <a:rPr lang="ru-RU" smtClean="0"/>
+              <a:rPr lang="ru-RU"/>
               <a:t>Пятый уровень</a:t>
             </a:r>
             <a:endParaRPr lang="en-US" dirty="0"/>
@@ -9879,7 +9962,7 @@
           <a:p>
             <a:fld id="{1123DB51-CABB-4A3D-B6CF-9AD57D1D0126}" type="datetimeFigureOut">
               <a:rPr lang="ru-RU" smtClean="0"/>
-              <a:t>09.07.2024</a:t>
+              <a:t>10.07.2024</a:t>
             </a:fld>
             <a:endParaRPr lang="ru-RU"/>
           </a:p>
@@ -10018,13 +10101,13 @@
     <p:sldLayoutId id="2147483979" r:id="rId10"/>
     <p:sldLayoutId id="2147483980" r:id="rId11"/>
   </p:sldLayoutIdLst>
-  <mc:AlternateContent xmlns:mc="http://schemas.openxmlformats.org/markup-compatibility/2006">
-    <mc:Choice xmlns:p14="http://schemas.microsoft.com/office/powerpoint/2010/main" Requires="p14">
+  <mc:AlternateContent xmlns:mc="http://schemas.openxmlformats.org/markup-compatibility/2006" xmlns:p14="http://schemas.microsoft.com/office/powerpoint/2010/main">
+    <mc:Choice Requires="p14">
       <p:transition spd="med" p14:dur="700">
         <p:fade/>
       </p:transition>
     </mc:Choice>
-    <mc:Fallback>
+    <mc:Fallback xmlns="">
       <p:transition spd="med">
         <p:fade/>
       </p:transition>
@@ -10438,7 +10521,7 @@
           <a:lstStyle/>
           <a:p>
             <a:r>
-              <a:rPr lang="en-US" sz="9600" b="1" dirty="0" smtClean="0">
+              <a:rPr lang="en-US" sz="9600" b="1" dirty="0">
                 <a:solidFill>
                   <a:schemeClr val="tx1"/>
                 </a:solidFill>
@@ -10477,7 +10560,7 @@
           <a:p>
             <a:pPr algn="l"/>
             <a:r>
-              <a:rPr lang="ru-RU" sz="1800" dirty="0" smtClean="0">
+              <a:rPr lang="ru-RU" sz="1800" dirty="0">
                 <a:solidFill>
                   <a:schemeClr val="tx1"/>
                 </a:solidFill>
@@ -10488,7 +10571,7 @@
           <a:p>
             <a:pPr algn="l"/>
             <a:r>
-              <a:rPr lang="ru-RU" sz="1800" dirty="0" smtClean="0">
+              <a:rPr lang="ru-RU" sz="1800" dirty="0">
                 <a:solidFill>
                   <a:schemeClr val="tx1"/>
                 </a:solidFill>
@@ -10507,7 +10590,7 @@
         <p:spPr>
           <a:xfrm>
             <a:off x="3429000" y="0"/>
-            <a:ext cx="5334000" cy="369332"/>
+            <a:ext cx="5334000" cy="646331"/>
           </a:xfrm>
           <a:prstGeom prst="rect">
             <a:avLst/>
@@ -10528,6 +10611,290 @@
             <a:endParaRPr lang="en-US" dirty="0">
               <a:hlinkClick r:id="rId3"/>
             </a:endParaRPr>
+          </a:p>
+          <a:p>
+            <a:pPr algn="ctr"/>
+            <a:endParaRPr lang="en-US" dirty="0">
+              <a:hlinkClick r:id="rId3"/>
+            </a:endParaRPr>
+          </a:p>
+        </p:txBody>
+      </p:sp>
+      <p:sp>
+        <p:nvSpPr>
+          <p:cNvPr id="5" name="Подзаголовок 2">
+            <a:extLst>
+              <a:ext uri="{FF2B5EF4-FFF2-40B4-BE49-F238E27FC236}">
+                <a16:creationId xmlns:a16="http://schemas.microsoft.com/office/drawing/2014/main" id="{948A6787-1A59-4ACB-924D-46DD6FAAF653}"/>
+              </a:ext>
+            </a:extLst>
+          </p:cNvPr>
+          <p:cNvSpPr txBox="1">
+            <a:spLocks/>
+          </p:cNvSpPr>
+          <p:nvPr/>
+        </p:nvSpPr>
+        <p:spPr>
+          <a:xfrm>
+            <a:off x="0" y="6054437"/>
+            <a:ext cx="4336473" cy="803563"/>
+          </a:xfrm>
+          <a:prstGeom prst="rect">
+            <a:avLst/>
+          </a:prstGeom>
+        </p:spPr>
+        <p:txBody>
+          <a:bodyPr vert="horz" lIns="91440" tIns="45720" rIns="91440" bIns="45720" rtlCol="0" anchor="t">
+            <a:noAutofit/>
+          </a:bodyPr>
+          <a:lstStyle>
+            <a:lvl1pPr marL="0" indent="0" algn="r" defTabSz="457200" rtl="0" eaLnBrk="1" latinLnBrk="0" hangingPunct="1">
+              <a:spcBef>
+                <a:spcPts val="1000"/>
+              </a:spcBef>
+              <a:spcAft>
+                <a:spcPts val="0"/>
+              </a:spcAft>
+              <a:buClr>
+                <a:schemeClr val="accent1"/>
+              </a:buClr>
+              <a:buSzPct val="80000"/>
+              <a:buFont typeface="Wingdings 3" charset="2"/>
+              <a:buNone/>
+              <a:defRPr sz="1800" kern="1200">
+                <a:solidFill>
+                  <a:schemeClr val="tx1">
+                    <a:lumMod val="50000"/>
+                    <a:lumOff val="50000"/>
+                  </a:schemeClr>
+                </a:solidFill>
+                <a:latin typeface="+mn-lt"/>
+                <a:ea typeface="+mn-ea"/>
+                <a:cs typeface="+mn-cs"/>
+              </a:defRPr>
+            </a:lvl1pPr>
+            <a:lvl2pPr marL="457200" indent="0" algn="ctr" defTabSz="457200" rtl="0" eaLnBrk="1" latinLnBrk="0" hangingPunct="1">
+              <a:spcBef>
+                <a:spcPts val="1000"/>
+              </a:spcBef>
+              <a:spcAft>
+                <a:spcPts val="0"/>
+              </a:spcAft>
+              <a:buClr>
+                <a:schemeClr val="accent1"/>
+              </a:buClr>
+              <a:buSzPct val="80000"/>
+              <a:buFont typeface="Wingdings 3" charset="2"/>
+              <a:buNone/>
+              <a:defRPr sz="1600" kern="1200">
+                <a:solidFill>
+                  <a:schemeClr val="tx1">
+                    <a:tint val="75000"/>
+                  </a:schemeClr>
+                </a:solidFill>
+                <a:latin typeface="+mn-lt"/>
+                <a:ea typeface="+mn-ea"/>
+                <a:cs typeface="+mn-cs"/>
+              </a:defRPr>
+            </a:lvl2pPr>
+            <a:lvl3pPr marL="914400" indent="0" algn="ctr" defTabSz="457200" rtl="0" eaLnBrk="1" latinLnBrk="0" hangingPunct="1">
+              <a:spcBef>
+                <a:spcPts val="1000"/>
+              </a:spcBef>
+              <a:spcAft>
+                <a:spcPts val="0"/>
+              </a:spcAft>
+              <a:buClr>
+                <a:schemeClr val="accent1"/>
+              </a:buClr>
+              <a:buSzPct val="80000"/>
+              <a:buFont typeface="Wingdings 3" charset="2"/>
+              <a:buNone/>
+              <a:defRPr sz="1400" kern="1200">
+                <a:solidFill>
+                  <a:schemeClr val="tx1">
+                    <a:tint val="75000"/>
+                  </a:schemeClr>
+                </a:solidFill>
+                <a:latin typeface="+mn-lt"/>
+                <a:ea typeface="+mn-ea"/>
+                <a:cs typeface="+mn-cs"/>
+              </a:defRPr>
+            </a:lvl3pPr>
+            <a:lvl4pPr marL="1371600" indent="0" algn="ctr" defTabSz="457200" rtl="0" eaLnBrk="1" latinLnBrk="0" hangingPunct="1">
+              <a:spcBef>
+                <a:spcPts val="1000"/>
+              </a:spcBef>
+              <a:spcAft>
+                <a:spcPts val="0"/>
+              </a:spcAft>
+              <a:buClr>
+                <a:schemeClr val="accent1"/>
+              </a:buClr>
+              <a:buSzPct val="80000"/>
+              <a:buFont typeface="Wingdings 3" charset="2"/>
+              <a:buNone/>
+              <a:defRPr sz="1200" kern="1200">
+                <a:solidFill>
+                  <a:schemeClr val="tx1">
+                    <a:tint val="75000"/>
+                  </a:schemeClr>
+                </a:solidFill>
+                <a:latin typeface="+mn-lt"/>
+                <a:ea typeface="+mn-ea"/>
+                <a:cs typeface="+mn-cs"/>
+              </a:defRPr>
+            </a:lvl4pPr>
+            <a:lvl5pPr marL="1828800" indent="0" algn="ctr" defTabSz="457200" rtl="0" eaLnBrk="1" latinLnBrk="0" hangingPunct="1">
+              <a:spcBef>
+                <a:spcPts val="1000"/>
+              </a:spcBef>
+              <a:spcAft>
+                <a:spcPts val="0"/>
+              </a:spcAft>
+              <a:buClr>
+                <a:schemeClr val="accent1"/>
+              </a:buClr>
+              <a:buSzPct val="80000"/>
+              <a:buFont typeface="Wingdings 3" charset="2"/>
+              <a:buNone/>
+              <a:defRPr sz="1200" kern="1200">
+                <a:solidFill>
+                  <a:schemeClr val="tx1">
+                    <a:tint val="75000"/>
+                  </a:schemeClr>
+                </a:solidFill>
+                <a:latin typeface="+mn-lt"/>
+                <a:ea typeface="+mn-ea"/>
+                <a:cs typeface="+mn-cs"/>
+              </a:defRPr>
+            </a:lvl5pPr>
+            <a:lvl6pPr marL="2286000" indent="0" algn="ctr" defTabSz="457200" rtl="0" eaLnBrk="1" latinLnBrk="0" hangingPunct="1">
+              <a:spcBef>
+                <a:spcPts val="1000"/>
+              </a:spcBef>
+              <a:spcAft>
+                <a:spcPts val="0"/>
+              </a:spcAft>
+              <a:buClr>
+                <a:schemeClr val="accent1"/>
+              </a:buClr>
+              <a:buSzPct val="80000"/>
+              <a:buFont typeface="Wingdings 3" charset="2"/>
+              <a:buNone/>
+              <a:defRPr sz="1200" kern="1200">
+                <a:solidFill>
+                  <a:schemeClr val="tx1">
+                    <a:tint val="75000"/>
+                  </a:schemeClr>
+                </a:solidFill>
+                <a:latin typeface="+mn-lt"/>
+                <a:ea typeface="+mn-ea"/>
+                <a:cs typeface="+mn-cs"/>
+              </a:defRPr>
+            </a:lvl6pPr>
+            <a:lvl7pPr marL="2743200" indent="0" algn="ctr" defTabSz="457200" rtl="0" eaLnBrk="1" latinLnBrk="0" hangingPunct="1">
+              <a:spcBef>
+                <a:spcPts val="1000"/>
+              </a:spcBef>
+              <a:spcAft>
+                <a:spcPts val="0"/>
+              </a:spcAft>
+              <a:buClr>
+                <a:schemeClr val="accent1"/>
+              </a:buClr>
+              <a:buSzPct val="80000"/>
+              <a:buFont typeface="Wingdings 3" charset="2"/>
+              <a:buNone/>
+              <a:defRPr sz="1200" kern="1200">
+                <a:solidFill>
+                  <a:schemeClr val="tx1">
+                    <a:tint val="75000"/>
+                  </a:schemeClr>
+                </a:solidFill>
+                <a:latin typeface="+mn-lt"/>
+                <a:ea typeface="+mn-ea"/>
+                <a:cs typeface="+mn-cs"/>
+              </a:defRPr>
+            </a:lvl7pPr>
+            <a:lvl8pPr marL="3200400" indent="0" algn="ctr" defTabSz="457200" rtl="0" eaLnBrk="1" latinLnBrk="0" hangingPunct="1">
+              <a:spcBef>
+                <a:spcPts val="1000"/>
+              </a:spcBef>
+              <a:spcAft>
+                <a:spcPts val="0"/>
+              </a:spcAft>
+              <a:buClr>
+                <a:schemeClr val="accent1"/>
+              </a:buClr>
+              <a:buSzPct val="80000"/>
+              <a:buFont typeface="Wingdings 3" charset="2"/>
+              <a:buNone/>
+              <a:defRPr sz="1200" kern="1200">
+                <a:solidFill>
+                  <a:schemeClr val="tx1">
+                    <a:tint val="75000"/>
+                  </a:schemeClr>
+                </a:solidFill>
+                <a:latin typeface="+mn-lt"/>
+                <a:ea typeface="+mn-ea"/>
+                <a:cs typeface="+mn-cs"/>
+              </a:defRPr>
+            </a:lvl8pPr>
+            <a:lvl9pPr marL="3657600" indent="0" algn="ctr" defTabSz="457200" rtl="0" eaLnBrk="1" latinLnBrk="0" hangingPunct="1">
+              <a:spcBef>
+                <a:spcPts val="1000"/>
+              </a:spcBef>
+              <a:spcAft>
+                <a:spcPts val="0"/>
+              </a:spcAft>
+              <a:buClr>
+                <a:schemeClr val="accent1"/>
+              </a:buClr>
+              <a:buSzPct val="80000"/>
+              <a:buFont typeface="Wingdings 3" charset="2"/>
+              <a:buNone/>
+              <a:defRPr sz="1200" kern="1200">
+                <a:solidFill>
+                  <a:schemeClr val="tx1">
+                    <a:tint val="75000"/>
+                  </a:schemeClr>
+                </a:solidFill>
+                <a:latin typeface="+mn-lt"/>
+                <a:ea typeface="+mn-ea"/>
+                <a:cs typeface="+mn-cs"/>
+              </a:defRPr>
+            </a:lvl9pPr>
+          </a:lstStyle>
+          <a:p>
+            <a:pPr algn="l"/>
+            <a:r>
+              <a:rPr lang="ru-RU" dirty="0" err="1">
+                <a:solidFill>
+                  <a:schemeClr val="tx1"/>
+                </a:solidFill>
+              </a:rPr>
+              <a:t>Ломейко</a:t>
+            </a:r>
+            <a:r>
+              <a:rPr lang="ru-RU" dirty="0">
+                <a:solidFill>
+                  <a:schemeClr val="tx1"/>
+                </a:solidFill>
+              </a:rPr>
+              <a:t> Кирилл, Никишин Артемий</a:t>
+            </a:r>
+          </a:p>
+          <a:p>
+            <a:pPr algn="l"/>
+            <a:r>
+              <a:rPr lang="ru-RU" dirty="0">
+                <a:solidFill>
+                  <a:schemeClr val="tx1"/>
+                </a:solidFill>
+              </a:rPr>
+              <a:t>Скрипниченко Илья, Смелова Полина</a:t>
+            </a:r>
           </a:p>
         </p:txBody>
       </p:sp>
@@ -10541,25 +10908,18 @@
   <p:clrMapOvr>
     <a:masterClrMapping/>
   </p:clrMapOvr>
-  <mc:AlternateContent xmlns:mc="http://schemas.openxmlformats.org/markup-compatibility/2006">
-    <mc:Choice xmlns:p14="http://schemas.microsoft.com/office/powerpoint/2010/main" Requires="p14">
+  <mc:AlternateContent xmlns:mc="http://schemas.openxmlformats.org/markup-compatibility/2006" xmlns:p14="http://schemas.microsoft.com/office/powerpoint/2010/main">
+    <mc:Choice Requires="p14">
       <p:transition spd="med" p14:dur="700">
         <p:fade/>
       </p:transition>
     </mc:Choice>
-    <mc:Fallback>
+    <mc:Fallback xmlns="">
       <p:transition spd="med">
         <p:fade/>
       </p:transition>
     </mc:Fallback>
   </mc:AlternateContent>
-  <p:timing>
-    <p:tnLst>
-      <p:par>
-        <p:cTn id="1" dur="indefinite" restart="never" nodeType="tmRoot"/>
-      </p:par>
-    </p:tnLst>
-  </p:timing>
 </p:sld>
 </file>
 
@@ -10603,14 +10963,13 @@
           <a:lstStyle/>
           <a:p>
             <a:r>
-              <a:rPr lang="ru-RU" sz="5300" dirty="0" smtClean="0"/>
+              <a:rPr lang="ru-RU" sz="5300" dirty="0"/>
               <a:t>Создание</a:t>
             </a:r>
             <a:r>
-              <a:rPr lang="ru-RU" dirty="0" smtClean="0"/>
+              <a:rPr lang="ru-RU" dirty="0"/>
               <a:t> игры</a:t>
             </a:r>
-            <a:endParaRPr lang="ru-RU" dirty="0"/>
           </a:p>
         </p:txBody>
       </p:sp>
@@ -10630,10 +10989,9 @@
           <a:lstStyle/>
           <a:p>
             <a:r>
-              <a:rPr lang="ru-RU" dirty="0" smtClean="0"/>
+              <a:rPr lang="ru-RU" dirty="0"/>
               <a:t>Придумывание идей</a:t>
             </a:r>
-            <a:endParaRPr lang="ru-RU" dirty="0"/>
           </a:p>
         </p:txBody>
       </p:sp>
@@ -10815,25 +11173,18 @@
   <p:clrMapOvr>
     <a:masterClrMapping/>
   </p:clrMapOvr>
-  <mc:AlternateContent xmlns:mc="http://schemas.openxmlformats.org/markup-compatibility/2006">
-    <mc:Choice xmlns:p14="http://schemas.microsoft.com/office/powerpoint/2010/main" Requires="p14">
+  <mc:AlternateContent xmlns:mc="http://schemas.openxmlformats.org/markup-compatibility/2006" xmlns:p14="http://schemas.microsoft.com/office/powerpoint/2010/main">
+    <mc:Choice Requires="p14">
       <p:transition spd="med" p14:dur="700">
         <p:fade/>
       </p:transition>
     </mc:Choice>
-    <mc:Fallback>
+    <mc:Fallback xmlns="">
       <p:transition spd="med">
         <p:fade/>
       </p:transition>
     </mc:Fallback>
   </mc:AlternateContent>
-  <p:timing>
-    <p:tnLst>
-      <p:par>
-        <p:cTn id="1" dur="indefinite" restart="never" nodeType="tmRoot"/>
-      </p:par>
-    </p:tnLst>
-  </p:timing>
 </p:sld>
 </file>
 
@@ -10875,10 +11226,9 @@
           <a:lstStyle/>
           <a:p>
             <a:r>
-              <a:rPr lang="ru-RU" dirty="0" smtClean="0"/>
+              <a:rPr lang="ru-RU" dirty="0"/>
               <a:t>Создание игры</a:t>
             </a:r>
-            <a:endParaRPr lang="ru-RU" dirty="0"/>
           </a:p>
         </p:txBody>
       </p:sp>
@@ -10898,10 +11248,9 @@
           <a:lstStyle/>
           <a:p>
             <a:r>
-              <a:rPr lang="ru-RU" dirty="0" smtClean="0"/>
+              <a:rPr lang="ru-RU" dirty="0"/>
               <a:t>Тимбилдинг</a:t>
             </a:r>
-            <a:endParaRPr lang="ru-RU" dirty="0"/>
           </a:p>
         </p:txBody>
       </p:sp>
@@ -11005,25 +11354,18 @@
   <p:clrMapOvr>
     <a:masterClrMapping/>
   </p:clrMapOvr>
-  <mc:AlternateContent xmlns:mc="http://schemas.openxmlformats.org/markup-compatibility/2006">
-    <mc:Choice xmlns:p14="http://schemas.microsoft.com/office/powerpoint/2010/main" Requires="p14">
+  <mc:AlternateContent xmlns:mc="http://schemas.openxmlformats.org/markup-compatibility/2006" xmlns:p14="http://schemas.microsoft.com/office/powerpoint/2010/main">
+    <mc:Choice Requires="p14">
       <p:transition spd="med" p14:dur="700">
         <p:fade/>
       </p:transition>
     </mc:Choice>
-    <mc:Fallback>
+    <mc:Fallback xmlns="">
       <p:transition spd="med">
         <p:fade/>
       </p:transition>
     </mc:Fallback>
   </mc:AlternateContent>
-  <p:timing>
-    <p:tnLst>
-      <p:par>
-        <p:cTn id="1" dur="indefinite" restart="never" nodeType="tmRoot"/>
-      </p:par>
-    </p:tnLst>
-  </p:timing>
 </p:sld>
 </file>
 
@@ -11065,10 +11407,9 @@
           <a:lstStyle/>
           <a:p>
             <a:r>
-              <a:rPr lang="ru-RU" dirty="0" smtClean="0"/>
+              <a:rPr lang="ru-RU" dirty="0"/>
               <a:t>Создание игры</a:t>
             </a:r>
-            <a:endParaRPr lang="ru-RU" dirty="0"/>
           </a:p>
         </p:txBody>
       </p:sp>
@@ -11091,10 +11432,9 @@
               <a:buNone/>
             </a:pPr>
             <a:r>
-              <a:rPr lang="ru-RU" dirty="0" smtClean="0"/>
+              <a:rPr lang="ru-RU" dirty="0"/>
               <a:t> Архитектура</a:t>
             </a:r>
-            <a:endParaRPr lang="ru-RU" dirty="0"/>
           </a:p>
         </p:txBody>
       </p:sp>
@@ -11198,25 +11538,18 @@
   <p:clrMapOvr>
     <a:masterClrMapping/>
   </p:clrMapOvr>
-  <mc:AlternateContent xmlns:mc="http://schemas.openxmlformats.org/markup-compatibility/2006">
-    <mc:Choice xmlns:p14="http://schemas.microsoft.com/office/powerpoint/2010/main" Requires="p14">
+  <mc:AlternateContent xmlns:mc="http://schemas.openxmlformats.org/markup-compatibility/2006" xmlns:p14="http://schemas.microsoft.com/office/powerpoint/2010/main">
+    <mc:Choice Requires="p14">
       <p:transition spd="med" p14:dur="700">
         <p:fade/>
       </p:transition>
     </mc:Choice>
-    <mc:Fallback>
+    <mc:Fallback xmlns="">
       <p:transition spd="med">
         <p:fade/>
       </p:transition>
     </mc:Fallback>
   </mc:AlternateContent>
-  <p:timing>
-    <p:tnLst>
-      <p:par>
-        <p:cTn id="1" dur="indefinite" restart="never" nodeType="tmRoot"/>
-      </p:par>
-    </p:tnLst>
-  </p:timing>
 </p:sld>
 </file>
 
@@ -11260,10 +11593,9 @@
           <a:lstStyle/>
           <a:p>
             <a:r>
-              <a:rPr lang="ru-RU" sz="7200" dirty="0" smtClean="0"/>
+              <a:rPr lang="ru-RU" sz="7200" dirty="0"/>
               <a:t>Спасибо за внимание</a:t>
             </a:r>
-            <a:endParaRPr lang="ru-RU" sz="7200" dirty="0"/>
           </a:p>
         </p:txBody>
       </p:sp>
@@ -11277,25 +11609,18 @@
   <p:clrMapOvr>
     <a:masterClrMapping/>
   </p:clrMapOvr>
-  <mc:AlternateContent xmlns:mc="http://schemas.openxmlformats.org/markup-compatibility/2006">
-    <mc:Choice xmlns:p14="http://schemas.microsoft.com/office/powerpoint/2010/main" Requires="p14">
+  <mc:AlternateContent xmlns:mc="http://schemas.openxmlformats.org/markup-compatibility/2006" xmlns:p14="http://schemas.microsoft.com/office/powerpoint/2010/main">
+    <mc:Choice Requires="p14">
       <p:transition spd="med" p14:dur="700">
         <p:fade/>
       </p:transition>
     </mc:Choice>
-    <mc:Fallback>
+    <mc:Fallback xmlns="">
       <p:transition spd="med">
         <p:fade/>
       </p:transition>
     </mc:Fallback>
   </mc:AlternateContent>
-  <p:timing>
-    <p:tnLst>
-      <p:par>
-        <p:cTn id="1" dur="indefinite" restart="never" nodeType="tmRoot"/>
-      </p:par>
-    </p:tnLst>
-  </p:timing>
 </p:sld>
 </file>
 
@@ -11345,18 +11670,13 @@
           <a:lstStyle/>
           <a:p>
             <a:r>
-              <a:rPr lang="ru-RU" dirty="0" smtClean="0">
+              <a:rPr lang="ru-RU" dirty="0">
                 <a:solidFill>
                   <a:schemeClr val="tx1"/>
                 </a:solidFill>
               </a:rPr>
               <a:t>Цель проекта</a:t>
             </a:r>
-            <a:endParaRPr lang="ru-RU" dirty="0">
-              <a:solidFill>
-                <a:schemeClr val="tx1"/>
-              </a:solidFill>
-            </a:endParaRPr>
           </a:p>
         </p:txBody>
       </p:sp>
@@ -11376,10 +11696,9 @@
           <a:lstStyle/>
           <a:p>
             <a:r>
-              <a:rPr lang="ru-RU" dirty="0" smtClean="0"/>
+              <a:rPr lang="ru-RU" dirty="0"/>
               <a:t>Создать собственную игру</a:t>
             </a:r>
-            <a:endParaRPr lang="ru-RU" dirty="0" smtClean="0"/>
           </a:p>
           <a:p>
             <a:endParaRPr lang="ru-RU" dirty="0"/>
@@ -11396,25 +11715,18 @@
   <p:clrMapOvr>
     <a:masterClrMapping/>
   </p:clrMapOvr>
-  <mc:AlternateContent xmlns:mc="http://schemas.openxmlformats.org/markup-compatibility/2006">
-    <mc:Choice xmlns:p14="http://schemas.microsoft.com/office/powerpoint/2010/main" Requires="p14">
+  <mc:AlternateContent xmlns:mc="http://schemas.openxmlformats.org/markup-compatibility/2006" xmlns:p14="http://schemas.microsoft.com/office/powerpoint/2010/main">
+    <mc:Choice Requires="p14">
       <p:transition spd="med" p14:dur="700">
         <p:fade/>
       </p:transition>
     </mc:Choice>
-    <mc:Fallback>
+    <mc:Fallback xmlns="">
       <p:transition spd="med">
         <p:fade/>
       </p:transition>
     </mc:Fallback>
   </mc:AlternateContent>
-  <p:timing>
-    <p:tnLst>
-      <p:par>
-        <p:cTn id="1" dur="indefinite" restart="never" nodeType="tmRoot"/>
-      </p:par>
-    </p:tnLst>
-  </p:timing>
 </p:sld>
 </file>
 
@@ -11445,69 +11757,72 @@
             <p:ph type="title"/>
           </p:nvPr>
         </p:nvSpPr>
+        <p:spPr>
+          <a:xfrm>
+            <a:off x="1097280" y="286603"/>
+            <a:ext cx="10058400" cy="1450757"/>
+          </a:xfrm>
+        </p:spPr>
+        <p:txBody>
+          <a:bodyPr/>
+          <a:lstStyle/>
+          <a:p>
+            <a:r>
+              <a:rPr lang="ru-RU" dirty="0"/>
+              <a:t>Актуальность проекта</a:t>
+            </a:r>
+          </a:p>
+        </p:txBody>
+      </p:sp>
+      <p:sp>
+        <p:nvSpPr>
+          <p:cNvPr id="3" name="Объект 2"/>
+          <p:cNvSpPr>
+            <a:spLocks noGrp="1"/>
+          </p:cNvSpPr>
+          <p:nvPr>
+            <p:ph idx="1"/>
+          </p:nvPr>
+        </p:nvSpPr>
         <p:spPr/>
         <p:txBody>
           <a:bodyPr/>
           <a:lstStyle/>
           <a:p>
             <a:r>
-              <a:rPr lang="ru-RU" dirty="0" smtClean="0"/>
-              <a:t>Актуальность проекта</a:t>
-            </a:r>
-            <a:endParaRPr lang="ru-RU" dirty="0"/>
-          </a:p>
-        </p:txBody>
-      </p:sp>
-      <p:sp>
-        <p:nvSpPr>
-          <p:cNvPr id="3" name="Объект 2"/>
-          <p:cNvSpPr>
-            <a:spLocks noGrp="1"/>
-          </p:cNvSpPr>
-          <p:nvPr>
-            <p:ph idx="1"/>
-          </p:nvPr>
-        </p:nvSpPr>
-        <p:spPr/>
-        <p:txBody>
-          <a:bodyPr/>
-          <a:lstStyle/>
-          <a:p>
-            <a:r>
-              <a:rPr lang="ru-RU" dirty="0" smtClean="0"/>
+              <a:rPr lang="ru-RU" dirty="0"/>
               <a:t>1. </a:t>
             </a:r>
             <a:r>
-              <a:rPr lang="en-US" dirty="0" smtClean="0"/>
+              <a:rPr lang="en-US" dirty="0"/>
               <a:t>Idle </a:t>
             </a:r>
             <a:r>
-              <a:rPr lang="ru-RU" dirty="0" smtClean="0"/>
+              <a:rPr lang="ru-RU" dirty="0"/>
               <a:t>игры</a:t>
             </a:r>
             <a:r>
-              <a:rPr lang="en-US" dirty="0" smtClean="0"/>
+              <a:rPr lang="en-US" dirty="0"/>
               <a:t> </a:t>
             </a:r>
             <a:r>
-              <a:rPr lang="ru-RU" dirty="0" smtClean="0"/>
+              <a:rPr lang="ru-RU" dirty="0"/>
               <a:t>популярны, к примеру, </a:t>
             </a:r>
             <a:r>
-              <a:rPr lang="en-US" dirty="0" smtClean="0"/>
+              <a:rPr lang="en-US" dirty="0"/>
               <a:t>Stardew Valley</a:t>
             </a:r>
             <a:r>
-              <a:rPr lang="ru-RU" dirty="0" smtClean="0"/>
+              <a:rPr lang="ru-RU" dirty="0"/>
               <a:t>.</a:t>
             </a:r>
           </a:p>
           <a:p>
             <a:r>
-              <a:rPr lang="ru-RU" dirty="0" smtClean="0"/>
+              <a:rPr lang="ru-RU" dirty="0"/>
               <a:t>2. </a:t>
             </a:r>
-            <a:endParaRPr lang="ru-RU" dirty="0"/>
           </a:p>
         </p:txBody>
       </p:sp>
@@ -11611,25 +11926,18 @@
   <p:clrMapOvr>
     <a:masterClrMapping/>
   </p:clrMapOvr>
-  <mc:AlternateContent xmlns:mc="http://schemas.openxmlformats.org/markup-compatibility/2006">
-    <mc:Choice xmlns:p14="http://schemas.microsoft.com/office/powerpoint/2010/main" Requires="p14">
+  <mc:AlternateContent xmlns:mc="http://schemas.openxmlformats.org/markup-compatibility/2006" xmlns:p14="http://schemas.microsoft.com/office/powerpoint/2010/main">
+    <mc:Choice Requires="p14">
       <p:transition spd="med" p14:dur="700">
         <p:fade/>
       </p:transition>
     </mc:Choice>
-    <mc:Fallback>
+    <mc:Fallback xmlns="">
       <p:transition spd="med">
         <p:fade/>
       </p:transition>
     </mc:Fallback>
   </mc:AlternateContent>
-  <p:timing>
-    <p:tnLst>
-      <p:par>
-        <p:cTn id="1" dur="indefinite" restart="never" nodeType="tmRoot"/>
-      </p:par>
-    </p:tnLst>
-  </p:timing>
 </p:sld>
 </file>
 
@@ -11666,10 +11974,9 @@
           <a:lstStyle/>
           <a:p>
             <a:r>
-              <a:rPr lang="ru-RU" dirty="0" smtClean="0"/>
+              <a:rPr lang="ru-RU" dirty="0"/>
               <a:t>Об игре</a:t>
             </a:r>
-            <a:endParaRPr lang="ru-RU" dirty="0"/>
           </a:p>
         </p:txBody>
       </p:sp>
@@ -11689,10 +11996,9 @@
           <a:lstStyle/>
           <a:p>
             <a:r>
-              <a:rPr lang="ru-RU" dirty="0" smtClean="0"/>
+              <a:rPr lang="ru-RU" dirty="0"/>
               <a:t>Игра о выживание шахтера в пиксельном мире.</a:t>
             </a:r>
-            <a:endParaRPr lang="ru-RU" dirty="0"/>
           </a:p>
         </p:txBody>
       </p:sp>
@@ -11874,25 +12180,18 @@
   <p:clrMapOvr>
     <a:masterClrMapping/>
   </p:clrMapOvr>
-  <mc:AlternateContent xmlns:mc="http://schemas.openxmlformats.org/markup-compatibility/2006">
-    <mc:Choice xmlns:p14="http://schemas.microsoft.com/office/powerpoint/2010/main" Requires="p14">
+  <mc:AlternateContent xmlns:mc="http://schemas.openxmlformats.org/markup-compatibility/2006" xmlns:p14="http://schemas.microsoft.com/office/powerpoint/2010/main">
+    <mc:Choice Requires="p14">
       <p:transition spd="med" p14:dur="700">
         <p:fade/>
       </p:transition>
     </mc:Choice>
-    <mc:Fallback>
+    <mc:Fallback xmlns="">
       <p:transition spd="med">
         <p:fade/>
       </p:transition>
     </mc:Fallback>
   </mc:AlternateContent>
-  <p:timing>
-    <p:tnLst>
-      <p:par>
-        <p:cTn id="1" dur="indefinite" restart="never" nodeType="tmRoot"/>
-      </p:par>
-    </p:tnLst>
-  </p:timing>
 </p:sld>
 </file>
 
@@ -11929,10 +12228,9 @@
           <a:lstStyle/>
           <a:p>
             <a:r>
-              <a:rPr lang="ru-RU" dirty="0" smtClean="0"/>
+              <a:rPr lang="ru-RU" dirty="0"/>
               <a:t>Об игре</a:t>
             </a:r>
-            <a:endParaRPr lang="ru-RU" dirty="0"/>
           </a:p>
         </p:txBody>
       </p:sp>
@@ -11952,10 +12250,9 @@
           <a:lstStyle/>
           <a:p>
             <a:r>
-              <a:rPr lang="ru-RU" dirty="0" smtClean="0"/>
+              <a:rPr lang="ru-RU" dirty="0"/>
               <a:t>Копай драгоценные руды.</a:t>
             </a:r>
-            <a:endParaRPr lang="ru-RU" dirty="0"/>
           </a:p>
         </p:txBody>
       </p:sp>
@@ -12209,25 +12506,18 @@
   <p:clrMapOvr>
     <a:masterClrMapping/>
   </p:clrMapOvr>
-  <mc:AlternateContent xmlns:mc="http://schemas.openxmlformats.org/markup-compatibility/2006">
-    <mc:Choice xmlns:p14="http://schemas.microsoft.com/office/powerpoint/2010/main" Requires="p14">
+  <mc:AlternateContent xmlns:mc="http://schemas.openxmlformats.org/markup-compatibility/2006" xmlns:p14="http://schemas.microsoft.com/office/powerpoint/2010/main">
+    <mc:Choice Requires="p14">
       <p:transition spd="med" p14:dur="700">
         <p:fade/>
       </p:transition>
     </mc:Choice>
-    <mc:Fallback>
+    <mc:Fallback xmlns="">
       <p:transition spd="med">
         <p:fade/>
       </p:transition>
     </mc:Fallback>
   </mc:AlternateContent>
-  <p:timing>
-    <p:tnLst>
-      <p:par>
-        <p:cTn id="1" dur="indefinite" restart="never" nodeType="tmRoot"/>
-      </p:par>
-    </p:tnLst>
-  </p:timing>
 </p:sld>
 </file>
 
@@ -12339,10 +12629,9 @@
           <a:lstStyle/>
           <a:p>
             <a:r>
-              <a:rPr lang="ru-RU" dirty="0" smtClean="0"/>
+              <a:rPr lang="ru-RU" dirty="0"/>
               <a:t>Об игре</a:t>
             </a:r>
-            <a:endParaRPr lang="ru-RU" dirty="0"/>
           </a:p>
         </p:txBody>
       </p:sp>
@@ -12362,10 +12651,9 @@
           <a:lstStyle/>
           <a:p>
             <a:r>
-              <a:rPr lang="ru-RU" dirty="0" smtClean="0"/>
+              <a:rPr lang="ru-RU" dirty="0"/>
               <a:t>Продавай ресурсы, покупай улучшения и другие ресурсы.</a:t>
             </a:r>
-            <a:endParaRPr lang="ru-RU" dirty="0"/>
           </a:p>
         </p:txBody>
       </p:sp>
@@ -12529,25 +12817,18 @@
   <p:clrMapOvr>
     <a:masterClrMapping/>
   </p:clrMapOvr>
-  <mc:AlternateContent xmlns:mc="http://schemas.openxmlformats.org/markup-compatibility/2006">
-    <mc:Choice xmlns:p14="http://schemas.microsoft.com/office/powerpoint/2010/main" Requires="p14">
+  <mc:AlternateContent xmlns:mc="http://schemas.openxmlformats.org/markup-compatibility/2006" xmlns:p14="http://schemas.microsoft.com/office/powerpoint/2010/main">
+    <mc:Choice Requires="p14">
       <p:transition spd="med" p14:dur="700">
         <p:fade/>
       </p:transition>
     </mc:Choice>
-    <mc:Fallback>
+    <mc:Fallback xmlns="">
       <p:transition spd="med">
         <p:fade/>
       </p:transition>
     </mc:Fallback>
   </mc:AlternateContent>
-  <p:timing>
-    <p:tnLst>
-      <p:par>
-        <p:cTn id="1" dur="indefinite" restart="never" nodeType="tmRoot"/>
-      </p:par>
-    </p:tnLst>
-  </p:timing>
 </p:sld>
 </file>
 
@@ -12584,10 +12865,9 @@
           <a:lstStyle/>
           <a:p>
             <a:r>
-              <a:rPr lang="ru-RU" dirty="0" smtClean="0"/>
+              <a:rPr lang="ru-RU" dirty="0"/>
               <a:t>Об игре</a:t>
             </a:r>
-            <a:endParaRPr lang="ru-RU" dirty="0"/>
           </a:p>
         </p:txBody>
       </p:sp>
@@ -12607,10 +12887,9 @@
           <a:lstStyle/>
           <a:p>
             <a:r>
-              <a:rPr lang="ru-RU" dirty="0" smtClean="0"/>
+              <a:rPr lang="ru-RU" dirty="0"/>
               <a:t>Делай престижи и повышайся в таблице лидеров.</a:t>
             </a:r>
-            <a:endParaRPr lang="ru-RU" dirty="0"/>
           </a:p>
         </p:txBody>
       </p:sp>
@@ -12680,25 +12959,18 @@
   <p:clrMapOvr>
     <a:masterClrMapping/>
   </p:clrMapOvr>
-  <mc:AlternateContent xmlns:mc="http://schemas.openxmlformats.org/markup-compatibility/2006">
-    <mc:Choice xmlns:p14="http://schemas.microsoft.com/office/powerpoint/2010/main" Requires="p14">
+  <mc:AlternateContent xmlns:mc="http://schemas.openxmlformats.org/markup-compatibility/2006" xmlns:p14="http://schemas.microsoft.com/office/powerpoint/2010/main">
+    <mc:Choice Requires="p14">
       <p:transition spd="med" p14:dur="700">
         <p:fade/>
       </p:transition>
     </mc:Choice>
-    <mc:Fallback>
+    <mc:Fallback xmlns="">
       <p:transition spd="med">
         <p:fade/>
       </p:transition>
     </mc:Fallback>
   </mc:AlternateContent>
-  <p:timing>
-    <p:tnLst>
-      <p:par>
-        <p:cTn id="1" dur="indefinite" restart="never" nodeType="tmRoot"/>
-      </p:par>
-    </p:tnLst>
-  </p:timing>
 </p:sld>
 </file>
 
@@ -12740,10 +13012,9 @@
           <a:lstStyle/>
           <a:p>
             <a:r>
-              <a:rPr lang="ru-RU" dirty="0" smtClean="0"/>
+              <a:rPr lang="ru-RU" dirty="0"/>
               <a:t>Создание игры</a:t>
             </a:r>
-            <a:endParaRPr lang="ru-RU" dirty="0"/>
           </a:p>
         </p:txBody>
       </p:sp>
@@ -12828,10 +13099,9 @@
           <a:lstStyle/>
           <a:p>
             <a:r>
-              <a:rPr lang="ru-RU" sz="2000" dirty="0" smtClean="0"/>
+              <a:rPr lang="ru-RU" sz="2000" dirty="0"/>
               <a:t>Создание текстур</a:t>
             </a:r>
-            <a:endParaRPr lang="ru-RU" sz="2000" dirty="0"/>
           </a:p>
         </p:txBody>
       </p:sp>
@@ -12905,25 +13175,18 @@
   <p:clrMapOvr>
     <a:masterClrMapping/>
   </p:clrMapOvr>
-  <mc:AlternateContent xmlns:mc="http://schemas.openxmlformats.org/markup-compatibility/2006">
-    <mc:Choice xmlns:p14="http://schemas.microsoft.com/office/powerpoint/2010/main" Requires="p14">
+  <mc:AlternateContent xmlns:mc="http://schemas.openxmlformats.org/markup-compatibility/2006" xmlns:p14="http://schemas.microsoft.com/office/powerpoint/2010/main">
+    <mc:Choice Requires="p14">
       <p:transition spd="med" p14:dur="700">
         <p:fade/>
       </p:transition>
     </mc:Choice>
-    <mc:Fallback>
+    <mc:Fallback xmlns="">
       <p:transition spd="med">
         <p:fade/>
       </p:transition>
     </mc:Fallback>
   </mc:AlternateContent>
-  <p:timing>
-    <p:tnLst>
-      <p:par>
-        <p:cTn id="1" dur="indefinite" restart="never" nodeType="tmRoot"/>
-      </p:par>
-    </p:tnLst>
-  </p:timing>
 </p:sld>
 </file>
 
@@ -12967,10 +13230,9 @@
           <a:lstStyle/>
           <a:p>
             <a:r>
-              <a:rPr lang="ru-RU" dirty="0" smtClean="0"/>
+              <a:rPr lang="ru-RU" dirty="0"/>
               <a:t>Создание игры</a:t>
             </a:r>
-            <a:endParaRPr lang="ru-RU" dirty="0"/>
           </a:p>
         </p:txBody>
       </p:sp>
@@ -12990,10 +13252,9 @@
           <a:lstStyle/>
           <a:p>
             <a:r>
-              <a:rPr lang="ru-RU" dirty="0" smtClean="0"/>
+              <a:rPr lang="ru-RU" dirty="0"/>
               <a:t>Программирование</a:t>
             </a:r>
-            <a:endParaRPr lang="ru-RU" dirty="0"/>
           </a:p>
         </p:txBody>
       </p:sp>
@@ -13007,25 +13268,18 @@
   <p:clrMapOvr>
     <a:masterClrMapping/>
   </p:clrMapOvr>
-  <mc:AlternateContent xmlns:mc="http://schemas.openxmlformats.org/markup-compatibility/2006">
-    <mc:Choice xmlns:p14="http://schemas.microsoft.com/office/powerpoint/2010/main" Requires="p14">
+  <mc:AlternateContent xmlns:mc="http://schemas.openxmlformats.org/markup-compatibility/2006" xmlns:p14="http://schemas.microsoft.com/office/powerpoint/2010/main">
+    <mc:Choice Requires="p14">
       <p:transition spd="med" p14:dur="700">
         <p:fade/>
       </p:transition>
     </mc:Choice>
-    <mc:Fallback>
+    <mc:Fallback xmlns="">
       <p:transition spd="med">
         <p:fade/>
       </p:transition>
     </mc:Fallback>
   </mc:AlternateContent>
-  <p:timing>
-    <p:tnLst>
-      <p:par>
-        <p:cTn id="1" dur="indefinite" restart="never" nodeType="tmRoot"/>
-      </p:par>
-    </p:tnLst>
-  </p:timing>
 </p:sld>
 </file>
 
